--- a/Slides/SDHCAL_Report_20170621.pptx
+++ b/Slides/SDHCAL_Report_20170621.pptx
@@ -14,7 +14,9 @@
     <p:sldId id="266" r:id="rId8"/>
     <p:sldId id="267" r:id="rId9"/>
     <p:sldId id="268" r:id="rId10"/>
-    <p:sldId id="269" r:id="rId11"/>
+    <p:sldId id="270" r:id="rId11"/>
+    <p:sldId id="271" r:id="rId12"/>
+    <p:sldId id="269" r:id="rId13"/>
   </p:sldIdLst>
   <p:sldSz cx="9144000" cy="6858000" type="screen4x3"/>
   <p:notesSz cx="6858000" cy="9144000"/>
@@ -3863,7 +3865,7 @@
           <a:p>
             <a:r>
               <a:rPr lang="en-US" altLang="zh-CN" dirty="0" smtClean="0"/>
-              <a:t>2017/06/20</a:t>
+              <a:t>2017/06/21</a:t>
             </a:r>
             <a:endParaRPr lang="zh-CN" altLang="en-US" dirty="0"/>
           </a:p>
@@ -3915,10 +3917,14 @@
           <a:lstStyle/>
           <a:p>
             <a:r>
-              <a:rPr lang="zh-CN" altLang="en-US" smtClean="0"/>
-              <a:t>下一步</a:t>
-            </a:r>
-            <a:endParaRPr lang="zh-CN" altLang="en-US"/>
+              <a:rPr lang="en-US" altLang="zh-CN" dirty="0" smtClean="0"/>
+              <a:t>                             </a:t>
+            </a:r>
+            <a:r>
+              <a:rPr lang="zh-CN" altLang="en-US" dirty="0" smtClean="0"/>
+              <a:t>对比</a:t>
+            </a:r>
+            <a:endParaRPr lang="zh-CN" altLang="en-US" dirty="0"/>
           </a:p>
         </p:txBody>
       </p:sp>
@@ -3937,10 +3943,934 @@
           <a:bodyPr/>
           <a:lstStyle/>
           <a:p>
-            <a:endParaRPr lang="zh-CN" altLang="en-US"/>
+            <a:endParaRPr lang="zh-CN" altLang="en-US" dirty="0"/>
           </a:p>
         </p:txBody>
       </p:sp>
+      <p:grpSp>
+        <p:nvGrpSpPr>
+          <p:cNvPr id="27" name="组合 26"/>
+          <p:cNvGrpSpPr/>
+          <p:nvPr/>
+        </p:nvGrpSpPr>
+        <p:grpSpPr>
+          <a:xfrm>
+            <a:off x="5705602" y="0"/>
+            <a:ext cx="3334774" cy="3278984"/>
+            <a:chOff x="5164689" y="944457"/>
+            <a:chExt cx="3334774" cy="3278984"/>
+          </a:xfrm>
+        </p:grpSpPr>
+        <p:pic>
+          <p:nvPicPr>
+            <p:cNvPr id="6" name="图片 5"/>
+            <p:cNvPicPr>
+              <a:picLocks noChangeAspect="1"/>
+            </p:cNvPicPr>
+            <p:nvPr/>
+          </p:nvPicPr>
+          <p:blipFill>
+            <a:blip r:embed="rId2"/>
+            <a:stretch>
+              <a:fillRect/>
+            </a:stretch>
+          </p:blipFill>
+          <p:spPr>
+            <a:xfrm>
+              <a:off x="6203166" y="1458581"/>
+              <a:ext cx="2296297" cy="2263582"/>
+            </a:xfrm>
+            <a:prstGeom prst="rect">
+              <a:avLst/>
+            </a:prstGeom>
+          </p:spPr>
+        </p:pic>
+        <p:pic>
+          <p:nvPicPr>
+            <p:cNvPr id="11" name="图片 10"/>
+            <p:cNvPicPr>
+              <a:picLocks noChangeAspect="1"/>
+            </p:cNvPicPr>
+            <p:nvPr/>
+          </p:nvPicPr>
+          <p:blipFill>
+            <a:blip r:embed="rId3">
+              <a:extLst>
+                <a:ext uri="{28A0092B-C50C-407E-A947-70E740481C1C}">
+                  <a14:useLocalDpi xmlns:a14="http://schemas.microsoft.com/office/drawing/2010/main" val="0"/>
+                </a:ext>
+              </a:extLst>
+            </a:blip>
+            <a:stretch>
+              <a:fillRect/>
+            </a:stretch>
+          </p:blipFill>
+          <p:spPr>
+            <a:xfrm>
+              <a:off x="7237139" y="1764406"/>
+              <a:ext cx="503637" cy="404708"/>
+            </a:xfrm>
+            <a:prstGeom prst="rect">
+              <a:avLst/>
+            </a:prstGeom>
+          </p:spPr>
+        </p:pic>
+        <p:pic>
+          <p:nvPicPr>
+            <p:cNvPr id="12" name="图片 11"/>
+            <p:cNvPicPr>
+              <a:picLocks noChangeAspect="1"/>
+            </p:cNvPicPr>
+            <p:nvPr/>
+          </p:nvPicPr>
+          <p:blipFill>
+            <a:blip r:embed="rId3">
+              <a:extLst>
+                <a:ext uri="{28A0092B-C50C-407E-A947-70E740481C1C}">
+                  <a14:useLocalDpi xmlns:a14="http://schemas.microsoft.com/office/drawing/2010/main" val="0"/>
+                </a:ext>
+              </a:extLst>
+            </a:blip>
+            <a:stretch>
+              <a:fillRect/>
+            </a:stretch>
+          </p:blipFill>
+          <p:spPr>
+            <a:xfrm>
+              <a:off x="7237138" y="3260871"/>
+              <a:ext cx="503637" cy="404708"/>
+            </a:xfrm>
+            <a:prstGeom prst="rect">
+              <a:avLst/>
+            </a:prstGeom>
+          </p:spPr>
+        </p:pic>
+        <p:sp>
+          <p:nvSpPr>
+            <p:cNvPr id="13" name="乘号 12"/>
+            <p:cNvSpPr/>
+            <p:nvPr/>
+          </p:nvSpPr>
+          <p:spPr>
+            <a:xfrm>
+              <a:off x="6913862" y="2243678"/>
+              <a:ext cx="874904" cy="714777"/>
+            </a:xfrm>
+            <a:prstGeom prst="mathMultiply">
+              <a:avLst/>
+            </a:prstGeom>
+            <a:noFill/>
+            <a:ln>
+              <a:solidFill>
+                <a:srgbClr val="FF0000"/>
+              </a:solidFill>
+            </a:ln>
+          </p:spPr>
+          <p:style>
+            <a:lnRef idx="2">
+              <a:schemeClr val="accent1">
+                <a:shade val="50000"/>
+              </a:schemeClr>
+            </a:lnRef>
+            <a:fillRef idx="1">
+              <a:schemeClr val="accent1"/>
+            </a:fillRef>
+            <a:effectRef idx="0">
+              <a:schemeClr val="accent1"/>
+            </a:effectRef>
+            <a:fontRef idx="minor">
+              <a:schemeClr val="lt1"/>
+            </a:fontRef>
+          </p:style>
+          <p:txBody>
+            <a:bodyPr rtlCol="0" anchor="ctr"/>
+            <a:lstStyle/>
+            <a:p>
+              <a:pPr algn="ctr"/>
+              <a:endParaRPr lang="zh-CN" altLang="en-US"/>
+            </a:p>
+          </p:txBody>
+        </p:sp>
+        <p:cxnSp>
+          <p:nvCxnSpPr>
+            <p:cNvPr id="15" name="直接箭头连接符 14"/>
+            <p:cNvCxnSpPr/>
+            <p:nvPr/>
+          </p:nvCxnSpPr>
+          <p:spPr>
+            <a:xfrm>
+              <a:off x="6203166" y="2488777"/>
+              <a:ext cx="1033972" cy="101595"/>
+            </a:xfrm>
+            <a:prstGeom prst="straightConnector1">
+              <a:avLst/>
+            </a:prstGeom>
+            <a:ln w="76200">
+              <a:solidFill>
+                <a:srgbClr val="FF0000"/>
+              </a:solidFill>
+              <a:tailEnd type="triangle"/>
+            </a:ln>
+          </p:spPr>
+          <p:style>
+            <a:lnRef idx="1">
+              <a:schemeClr val="accent1"/>
+            </a:lnRef>
+            <a:fillRef idx="0">
+              <a:schemeClr val="accent1"/>
+            </a:fillRef>
+            <a:effectRef idx="0">
+              <a:schemeClr val="accent1"/>
+            </a:effectRef>
+            <a:fontRef idx="minor">
+              <a:schemeClr val="tx1"/>
+            </a:fontRef>
+          </p:style>
+        </p:cxnSp>
+        <p:sp>
+          <p:nvSpPr>
+            <p:cNvPr id="17" name="文本框 16"/>
+            <p:cNvSpPr txBox="1"/>
+            <p:nvPr/>
+          </p:nvSpPr>
+          <p:spPr>
+            <a:xfrm>
+              <a:off x="5164689" y="2231734"/>
+              <a:ext cx="1107996" cy="369332"/>
+            </a:xfrm>
+            <a:prstGeom prst="rect">
+              <a:avLst/>
+            </a:prstGeom>
+            <a:noFill/>
+          </p:spPr>
+          <p:txBody>
+            <a:bodyPr wrap="none" rtlCol="0">
+              <a:spAutoFit/>
+            </a:bodyPr>
+            <a:lstStyle/>
+            <a:p>
+              <a:r>
+                <a:rPr lang="zh-CN" altLang="en-US" dirty="0" smtClean="0">
+                  <a:solidFill>
+                    <a:srgbClr val="FF0000"/>
+                  </a:solidFill>
+                </a:rPr>
+                <a:t>击中通道</a:t>
+              </a:r>
+              <a:endParaRPr lang="zh-CN" altLang="en-US" dirty="0">
+                <a:solidFill>
+                  <a:srgbClr val="FF0000"/>
+                </a:solidFill>
+              </a:endParaRPr>
+            </a:p>
+          </p:txBody>
+        </p:sp>
+        <p:cxnSp>
+          <p:nvCxnSpPr>
+            <p:cNvPr id="18" name="直接箭头连接符 17"/>
+            <p:cNvCxnSpPr/>
+            <p:nvPr/>
+          </p:nvCxnSpPr>
+          <p:spPr>
+            <a:xfrm>
+              <a:off x="7351314" y="1232777"/>
+              <a:ext cx="23466" cy="494347"/>
+            </a:xfrm>
+            <a:prstGeom prst="straightConnector1">
+              <a:avLst/>
+            </a:prstGeom>
+            <a:ln w="76200">
+              <a:solidFill>
+                <a:srgbClr val="0070C0"/>
+              </a:solidFill>
+              <a:tailEnd type="triangle"/>
+            </a:ln>
+          </p:spPr>
+          <p:style>
+            <a:lnRef idx="1">
+              <a:schemeClr val="accent1"/>
+            </a:lnRef>
+            <a:fillRef idx="0">
+              <a:schemeClr val="accent1"/>
+            </a:fillRef>
+            <a:effectRef idx="0">
+              <a:schemeClr val="accent1"/>
+            </a:effectRef>
+            <a:fontRef idx="minor">
+              <a:schemeClr val="tx1"/>
+            </a:fontRef>
+          </p:style>
+        </p:cxnSp>
+        <p:sp>
+          <p:nvSpPr>
+            <p:cNvPr id="22" name="文本框 21"/>
+            <p:cNvSpPr txBox="1"/>
+            <p:nvPr/>
+          </p:nvSpPr>
+          <p:spPr>
+            <a:xfrm>
+              <a:off x="6683140" y="944457"/>
+              <a:ext cx="1107996" cy="369332"/>
+            </a:xfrm>
+            <a:prstGeom prst="rect">
+              <a:avLst/>
+            </a:prstGeom>
+            <a:noFill/>
+          </p:spPr>
+          <p:txBody>
+            <a:bodyPr wrap="none" rtlCol="0">
+              <a:spAutoFit/>
+            </a:bodyPr>
+            <a:lstStyle/>
+            <a:p>
+              <a:r>
+                <a:rPr lang="zh-CN" altLang="en-US" dirty="0" smtClean="0">
+                  <a:solidFill>
+                    <a:srgbClr val="0070C0"/>
+                  </a:solidFill>
+                </a:rPr>
+                <a:t>测量通道</a:t>
+              </a:r>
+              <a:endParaRPr lang="zh-CN" altLang="en-US" dirty="0">
+                <a:solidFill>
+                  <a:srgbClr val="0070C0"/>
+                </a:solidFill>
+              </a:endParaRPr>
+            </a:p>
+          </p:txBody>
+        </p:sp>
+        <p:cxnSp>
+          <p:nvCxnSpPr>
+            <p:cNvPr id="23" name="直接箭头连接符 22"/>
+            <p:cNvCxnSpPr/>
+            <p:nvPr/>
+          </p:nvCxnSpPr>
+          <p:spPr>
+            <a:xfrm flipH="1" flipV="1">
+              <a:off x="7201036" y="3479433"/>
+              <a:ext cx="114176" cy="432224"/>
+            </a:xfrm>
+            <a:prstGeom prst="straightConnector1">
+              <a:avLst/>
+            </a:prstGeom>
+            <a:ln w="76200">
+              <a:solidFill>
+                <a:srgbClr val="0070C0"/>
+              </a:solidFill>
+              <a:tailEnd type="triangle"/>
+            </a:ln>
+          </p:spPr>
+          <p:style>
+            <a:lnRef idx="1">
+              <a:schemeClr val="accent1"/>
+            </a:lnRef>
+            <a:fillRef idx="0">
+              <a:schemeClr val="accent1"/>
+            </a:fillRef>
+            <a:effectRef idx="0">
+              <a:schemeClr val="accent1"/>
+            </a:effectRef>
+            <a:fontRef idx="minor">
+              <a:schemeClr val="tx1"/>
+            </a:fontRef>
+          </p:style>
+        </p:cxnSp>
+        <p:sp>
+          <p:nvSpPr>
+            <p:cNvPr id="24" name="文本框 23"/>
+            <p:cNvSpPr txBox="1"/>
+            <p:nvPr/>
+          </p:nvSpPr>
+          <p:spPr>
+            <a:xfrm>
+              <a:off x="6934958" y="3854109"/>
+              <a:ext cx="1107996" cy="369332"/>
+            </a:xfrm>
+            <a:prstGeom prst="rect">
+              <a:avLst/>
+            </a:prstGeom>
+            <a:noFill/>
+          </p:spPr>
+          <p:txBody>
+            <a:bodyPr wrap="none" rtlCol="0">
+              <a:spAutoFit/>
+            </a:bodyPr>
+            <a:lstStyle/>
+            <a:p>
+              <a:r>
+                <a:rPr lang="zh-CN" altLang="en-US" dirty="0" smtClean="0">
+                  <a:solidFill>
+                    <a:srgbClr val="0070C0"/>
+                  </a:solidFill>
+                </a:rPr>
+                <a:t>测量通道</a:t>
+              </a:r>
+              <a:endParaRPr lang="zh-CN" altLang="en-US" dirty="0">
+                <a:solidFill>
+                  <a:srgbClr val="0070C0"/>
+                </a:solidFill>
+              </a:endParaRPr>
+            </a:p>
+          </p:txBody>
+        </p:sp>
+      </p:grpSp>
+      <p:pic>
+        <p:nvPicPr>
+          <p:cNvPr id="28" name="图片 27"/>
+          <p:cNvPicPr>
+            <a:picLocks noChangeAspect="1"/>
+          </p:cNvPicPr>
+          <p:nvPr/>
+        </p:nvPicPr>
+        <p:blipFill rotWithShape="1">
+          <a:blip r:embed="rId4">
+            <a:extLst>
+              <a:ext uri="{28A0092B-C50C-407E-A947-70E740481C1C}">
+                <a14:useLocalDpi xmlns:a14="http://schemas.microsoft.com/office/drawing/2010/main" val="0"/>
+              </a:ext>
+            </a:extLst>
+          </a:blip>
+          <a:srcRect r="8589"/>
+          <a:stretch/>
+        </p:blipFill>
+        <p:spPr>
+          <a:xfrm>
+            <a:off x="0" y="3438000"/>
+            <a:ext cx="4168376" cy="3420000"/>
+          </a:xfrm>
+          <a:prstGeom prst="rect">
+            <a:avLst/>
+          </a:prstGeom>
+        </p:spPr>
+      </p:pic>
+      <p:pic>
+        <p:nvPicPr>
+          <p:cNvPr id="29" name="图片 28"/>
+          <p:cNvPicPr>
+            <a:picLocks noChangeAspect="1"/>
+          </p:cNvPicPr>
+          <p:nvPr/>
+        </p:nvPicPr>
+        <p:blipFill rotWithShape="1">
+          <a:blip r:embed="rId5">
+            <a:extLst>
+              <a:ext uri="{28A0092B-C50C-407E-A947-70E740481C1C}">
+                <a14:useLocalDpi xmlns:a14="http://schemas.microsoft.com/office/drawing/2010/main" val="0"/>
+              </a:ext>
+            </a:extLst>
+          </a:blip>
+          <a:srcRect r="7171"/>
+          <a:stretch/>
+        </p:blipFill>
+        <p:spPr>
+          <a:xfrm>
+            <a:off x="4594859" y="3438000"/>
+            <a:ext cx="4232998" cy="3420000"/>
+          </a:xfrm>
+          <a:prstGeom prst="rect">
+            <a:avLst/>
+          </a:prstGeom>
+        </p:spPr>
+      </p:pic>
+      <p:pic>
+        <p:nvPicPr>
+          <p:cNvPr id="31" name="图片 30"/>
+          <p:cNvPicPr>
+            <a:picLocks noChangeAspect="1"/>
+          </p:cNvPicPr>
+          <p:nvPr/>
+        </p:nvPicPr>
+        <p:blipFill rotWithShape="1">
+          <a:blip r:embed="rId6">
+            <a:extLst>
+              <a:ext uri="{28A0092B-C50C-407E-A947-70E740481C1C}">
+                <a14:useLocalDpi xmlns:a14="http://schemas.microsoft.com/office/drawing/2010/main" val="0"/>
+              </a:ext>
+            </a:extLst>
+          </a:blip>
+          <a:srcRect r="7733"/>
+          <a:stretch/>
+        </p:blipFill>
+        <p:spPr>
+          <a:xfrm>
+            <a:off x="17194" y="28556"/>
+            <a:ext cx="4406500" cy="3420000"/>
+          </a:xfrm>
+          <a:prstGeom prst="rect">
+            <a:avLst/>
+          </a:prstGeom>
+        </p:spPr>
+      </p:pic>
+      <p:sp>
+        <p:nvSpPr>
+          <p:cNvPr id="4" name="文本框 3"/>
+          <p:cNvSpPr txBox="1"/>
+          <p:nvPr/>
+        </p:nvSpPr>
+        <p:spPr>
+          <a:xfrm>
+            <a:off x="605852" y="912967"/>
+            <a:ext cx="2097049" cy="369332"/>
+          </a:xfrm>
+          <a:prstGeom prst="rect">
+            <a:avLst/>
+          </a:prstGeom>
+          <a:noFill/>
+        </p:spPr>
+        <p:txBody>
+          <a:bodyPr wrap="none" rtlCol="0">
+            <a:spAutoFit/>
+          </a:bodyPr>
+          <a:lstStyle/>
+          <a:p>
+            <a:r>
+              <a:rPr lang="zh-CN" altLang="en-US" dirty="0" smtClean="0"/>
+              <a:t>计数率：</a:t>
+            </a:r>
+            <a:r>
+              <a:rPr lang="en-US" altLang="zh-CN" dirty="0" smtClean="0"/>
+              <a:t>12542cpm</a:t>
+            </a:r>
+            <a:endParaRPr lang="zh-CN" altLang="en-US" dirty="0"/>
+          </a:p>
+        </p:txBody>
+      </p:sp>
+      <p:sp>
+        <p:nvSpPr>
+          <p:cNvPr id="19" name="文本框 18"/>
+          <p:cNvSpPr txBox="1"/>
+          <p:nvPr/>
+        </p:nvSpPr>
+        <p:spPr>
+          <a:xfrm>
+            <a:off x="822959" y="4157074"/>
+            <a:ext cx="2154757" cy="369332"/>
+          </a:xfrm>
+          <a:prstGeom prst="rect">
+            <a:avLst/>
+          </a:prstGeom>
+          <a:noFill/>
+        </p:spPr>
+        <p:txBody>
+          <a:bodyPr wrap="none" rtlCol="0">
+            <a:spAutoFit/>
+          </a:bodyPr>
+          <a:lstStyle/>
+          <a:p>
+            <a:r>
+              <a:rPr lang="zh-CN" altLang="en-US" dirty="0" smtClean="0"/>
+              <a:t>计数率：</a:t>
+            </a:r>
+            <a:r>
+              <a:rPr lang="en-US" altLang="zh-CN" dirty="0" smtClean="0"/>
+              <a:t>324.15cpm</a:t>
+            </a:r>
+            <a:endParaRPr lang="zh-CN" altLang="en-US" dirty="0"/>
+          </a:p>
+        </p:txBody>
+      </p:sp>
+      <p:sp>
+        <p:nvSpPr>
+          <p:cNvPr id="20" name="文本框 19"/>
+          <p:cNvSpPr txBox="1"/>
+          <p:nvPr/>
+        </p:nvSpPr>
+        <p:spPr>
+          <a:xfrm>
+            <a:off x="5329740" y="3907271"/>
+            <a:ext cx="2154757" cy="369332"/>
+          </a:xfrm>
+          <a:prstGeom prst="rect">
+            <a:avLst/>
+          </a:prstGeom>
+          <a:noFill/>
+        </p:spPr>
+        <p:txBody>
+          <a:bodyPr wrap="none" rtlCol="0">
+            <a:spAutoFit/>
+          </a:bodyPr>
+          <a:lstStyle/>
+          <a:p>
+            <a:r>
+              <a:rPr lang="zh-CN" altLang="en-US" dirty="0" smtClean="0"/>
+              <a:t>计数率：</a:t>
+            </a:r>
+            <a:r>
+              <a:rPr lang="en-US" altLang="zh-CN" dirty="0" smtClean="0"/>
+              <a:t>624.13cpm</a:t>
+            </a:r>
+            <a:endParaRPr lang="zh-CN" altLang="en-US" dirty="0"/>
+          </a:p>
+        </p:txBody>
+      </p:sp>
+    </p:spTree>
+    <p:extLst>
+      <p:ext uri="{BB962C8B-B14F-4D97-AF65-F5344CB8AC3E}">
+        <p14:creationId xmlns:p14="http://schemas.microsoft.com/office/powerpoint/2010/main" val="2955842972"/>
+      </p:ext>
+    </p:extLst>
+  </p:cSld>
+  <p:clrMapOvr>
+    <a:masterClrMapping/>
+  </p:clrMapOvr>
+</p:sld>
+</file>
+
+<file path=ppt/slides/slide11.xml><?xml version="1.0" encoding="utf-8"?>
+<p:sld xmlns:a="http://schemas.openxmlformats.org/drawingml/2006/main" xmlns:r="http://schemas.openxmlformats.org/officeDocument/2006/relationships" xmlns:p="http://schemas.openxmlformats.org/presentationml/2006/main">
+  <p:cSld>
+    <p:spTree>
+      <p:nvGrpSpPr>
+        <p:cNvPr id="1" name=""/>
+        <p:cNvGrpSpPr/>
+        <p:nvPr/>
+      </p:nvGrpSpPr>
+      <p:grpSpPr>
+        <a:xfrm>
+          <a:off x="0" y="0"/>
+          <a:ext cx="0" cy="0"/>
+          <a:chOff x="0" y="0"/>
+          <a:chExt cx="0" cy="0"/>
+        </a:xfrm>
+      </p:grpSpPr>
+      <p:sp>
+        <p:nvSpPr>
+          <p:cNvPr id="2" name="标题 1"/>
+          <p:cNvSpPr>
+            <a:spLocks noGrp="1"/>
+          </p:cNvSpPr>
+          <p:nvPr>
+            <p:ph type="title"/>
+          </p:nvPr>
+        </p:nvSpPr>
+        <p:spPr/>
+        <p:txBody>
+          <a:bodyPr/>
+          <a:lstStyle/>
+          <a:p>
+            <a:r>
+              <a:rPr lang="zh-CN" altLang="en-US" dirty="0" smtClean="0"/>
+              <a:t>目前的问题</a:t>
+            </a:r>
+            <a:endParaRPr lang="zh-CN" altLang="en-US" dirty="0"/>
+          </a:p>
+        </p:txBody>
+      </p:sp>
+      <p:sp>
+        <p:nvSpPr>
+          <p:cNvPr id="3" name="内容占位符 2"/>
+          <p:cNvSpPr>
+            <a:spLocks noGrp="1"/>
+          </p:cNvSpPr>
+          <p:nvPr>
+            <p:ph idx="1"/>
+          </p:nvPr>
+        </p:nvSpPr>
+        <p:spPr/>
+        <p:txBody>
+          <a:bodyPr/>
+          <a:lstStyle/>
+          <a:p>
+            <a:r>
+              <a:rPr lang="zh-CN" altLang="en-US" dirty="0" smtClean="0"/>
+              <a:t>使用</a:t>
+            </a:r>
+            <a:r>
+              <a:rPr lang="en-US" altLang="zh-CN" dirty="0" smtClean="0"/>
+              <a:t>2mm</a:t>
+            </a:r>
+            <a:r>
+              <a:rPr lang="zh-CN" altLang="en-US" dirty="0" smtClean="0"/>
+              <a:t>准直孔之后，周围</a:t>
+            </a:r>
+            <a:r>
+              <a:rPr lang="en-US" altLang="zh-CN" dirty="0" smtClean="0"/>
+              <a:t>Pad</a:t>
+            </a:r>
+            <a:r>
+              <a:rPr lang="zh-CN" altLang="en-US" dirty="0" smtClean="0"/>
+              <a:t>测到能谱了</a:t>
+            </a:r>
+            <a:endParaRPr lang="en-US" altLang="zh-CN" dirty="0"/>
+          </a:p>
+          <a:p>
+            <a:pPr lvl="1"/>
+            <a:r>
+              <a:rPr lang="zh-CN" altLang="en-US" dirty="0" smtClean="0"/>
+              <a:t>什么</a:t>
+            </a:r>
+            <a:r>
+              <a:rPr lang="zh-CN" altLang="en-US" dirty="0"/>
+              <a:t>原因造成的？</a:t>
+            </a:r>
+            <a:endParaRPr lang="en-US" altLang="zh-CN" dirty="0"/>
+          </a:p>
+          <a:p>
+            <a:pPr lvl="1"/>
+            <a:endParaRPr lang="zh-CN" altLang="en-US" dirty="0"/>
+          </a:p>
+        </p:txBody>
+      </p:sp>
+    </p:spTree>
+    <p:extLst>
+      <p:ext uri="{BB962C8B-B14F-4D97-AF65-F5344CB8AC3E}">
+        <p14:creationId xmlns:p14="http://schemas.microsoft.com/office/powerpoint/2010/main" val="1596550640"/>
+      </p:ext>
+    </p:extLst>
+  </p:cSld>
+  <p:clrMapOvr>
+    <a:masterClrMapping/>
+  </p:clrMapOvr>
+</p:sld>
+</file>
+
+<file path=ppt/slides/slide12.xml><?xml version="1.0" encoding="utf-8"?>
+<p:sld xmlns:a="http://schemas.openxmlformats.org/drawingml/2006/main" xmlns:r="http://schemas.openxmlformats.org/officeDocument/2006/relationships" xmlns:p="http://schemas.openxmlformats.org/presentationml/2006/main">
+  <p:cSld>
+    <p:spTree>
+      <p:nvGrpSpPr>
+        <p:cNvPr id="1" name=""/>
+        <p:cNvGrpSpPr/>
+        <p:nvPr/>
+      </p:nvGrpSpPr>
+      <p:grpSpPr>
+        <a:xfrm>
+          <a:off x="0" y="0"/>
+          <a:ext cx="0" cy="0"/>
+          <a:chOff x="0" y="0"/>
+          <a:chExt cx="0" cy="0"/>
+        </a:xfrm>
+      </p:grpSpPr>
+      <p:sp>
+        <p:nvSpPr>
+          <p:cNvPr id="2" name="标题 1"/>
+          <p:cNvSpPr>
+            <a:spLocks noGrp="1"/>
+          </p:cNvSpPr>
+          <p:nvPr>
+            <p:ph type="title"/>
+          </p:nvPr>
+        </p:nvSpPr>
+        <p:spPr/>
+        <p:txBody>
+          <a:bodyPr/>
+          <a:lstStyle/>
+          <a:p>
+            <a:r>
+              <a:rPr lang="zh-CN" altLang="en-US" smtClean="0"/>
+              <a:t>下一步</a:t>
+            </a:r>
+            <a:endParaRPr lang="zh-CN" altLang="en-US"/>
+          </a:p>
+        </p:txBody>
+      </p:sp>
+      <p:sp>
+        <p:nvSpPr>
+          <p:cNvPr id="3" name="内容占位符 2"/>
+          <p:cNvSpPr>
+            <a:spLocks noGrp="1"/>
+          </p:cNvSpPr>
+          <p:nvPr>
+            <p:ph idx="1"/>
+          </p:nvPr>
+        </p:nvSpPr>
+        <p:spPr/>
+        <p:txBody>
+          <a:bodyPr/>
+          <a:lstStyle/>
+          <a:p>
+            <a:r>
+              <a:rPr lang="zh-CN" altLang="en-US" dirty="0" smtClean="0"/>
+              <a:t>测量击中</a:t>
+            </a:r>
+            <a:r>
+              <a:rPr lang="en-US" altLang="zh-CN" dirty="0" smtClean="0"/>
+              <a:t>Pad</a:t>
+            </a:r>
+            <a:r>
+              <a:rPr lang="zh-CN" altLang="en-US" dirty="0" smtClean="0"/>
+              <a:t>周围</a:t>
+            </a:r>
+            <a:r>
+              <a:rPr lang="en-US" altLang="zh-CN" dirty="0" smtClean="0"/>
+              <a:t>Pad</a:t>
+            </a:r>
+            <a:r>
+              <a:rPr lang="zh-CN" altLang="en-US" dirty="0" smtClean="0"/>
+              <a:t>的能谱</a:t>
+            </a:r>
+            <a:endParaRPr lang="en-US" altLang="zh-CN" dirty="0" smtClean="0"/>
+          </a:p>
+          <a:p>
+            <a:pPr lvl="1"/>
+            <a:r>
+              <a:rPr lang="zh-CN" altLang="en-US" dirty="0" smtClean="0"/>
+              <a:t>增加测量时间</a:t>
+            </a:r>
+            <a:endParaRPr lang="en-US" altLang="zh-CN" dirty="0" smtClean="0"/>
+          </a:p>
+          <a:p>
+            <a:pPr lvl="1"/>
+            <a:r>
+              <a:rPr lang="zh-CN" altLang="en-US" dirty="0" smtClean="0"/>
+              <a:t>把九宫格内都测完</a:t>
+            </a:r>
+            <a:endParaRPr lang="en-US" altLang="zh-CN" dirty="0" smtClean="0"/>
+          </a:p>
+          <a:p>
+            <a:pPr lvl="1"/>
+            <a:endParaRPr lang="en-US" altLang="zh-CN" dirty="0"/>
+          </a:p>
+          <a:p>
+            <a:r>
+              <a:rPr lang="zh-CN" altLang="en-US" dirty="0" smtClean="0"/>
+              <a:t>测量均匀性</a:t>
+            </a:r>
+            <a:endParaRPr lang="en-US" altLang="zh-CN" dirty="0" smtClean="0"/>
+          </a:p>
+          <a:p>
+            <a:pPr lvl="1"/>
+            <a:r>
+              <a:rPr lang="en-US" altLang="zh-CN" dirty="0" smtClean="0"/>
+              <a:t>ADC</a:t>
+            </a:r>
+            <a:r>
+              <a:rPr lang="zh-CN" altLang="en-US" dirty="0" smtClean="0"/>
+              <a:t>采不同</a:t>
+            </a:r>
+            <a:r>
+              <a:rPr lang="en-US" altLang="zh-CN" dirty="0" smtClean="0"/>
+              <a:t>Pad</a:t>
+            </a:r>
+            <a:r>
+              <a:rPr lang="zh-CN" altLang="en-US" dirty="0" smtClean="0"/>
+              <a:t>的能谱</a:t>
+            </a:r>
+            <a:endParaRPr lang="en-US" altLang="zh-CN" dirty="0" smtClean="0"/>
+          </a:p>
+          <a:p>
+            <a:pPr lvl="1"/>
+            <a:r>
+              <a:rPr lang="zh-CN" altLang="en-US" dirty="0" smtClean="0"/>
+              <a:t>对比不同</a:t>
+            </a:r>
+            <a:r>
+              <a:rPr lang="en-US" altLang="zh-CN" dirty="0" smtClean="0"/>
+              <a:t>Pad</a:t>
+            </a:r>
+            <a:r>
+              <a:rPr lang="zh-CN" altLang="en-US" dirty="0" smtClean="0"/>
+              <a:t>的峰位</a:t>
+            </a:r>
+            <a:endParaRPr lang="en-US" altLang="zh-CN" dirty="0" smtClean="0"/>
+          </a:p>
+          <a:p>
+            <a:pPr lvl="1"/>
+            <a:r>
+              <a:rPr lang="zh-CN" altLang="en-US" dirty="0"/>
+              <a:t>准直</a:t>
+            </a:r>
+            <a:r>
+              <a:rPr lang="zh-CN" altLang="en-US" dirty="0" smtClean="0"/>
+              <a:t>孔用</a:t>
+            </a:r>
+            <a:r>
+              <a:rPr lang="en-US" altLang="zh-CN" dirty="0" smtClean="0"/>
+              <a:t>5mm</a:t>
+            </a:r>
+            <a:r>
+              <a:rPr lang="zh-CN" altLang="en-US" dirty="0" smtClean="0"/>
+              <a:t>的</a:t>
+            </a:r>
+            <a:endParaRPr lang="zh-CN" altLang="en-US" dirty="0"/>
+          </a:p>
+        </p:txBody>
+      </p:sp>
+      <p:grpSp>
+        <p:nvGrpSpPr>
+          <p:cNvPr id="7" name="组合 6"/>
+          <p:cNvGrpSpPr/>
+          <p:nvPr/>
+        </p:nvGrpSpPr>
+        <p:grpSpPr>
+          <a:xfrm>
+            <a:off x="6460743" y="1100831"/>
+            <a:ext cx="2296297" cy="2263582"/>
+            <a:chOff x="6690147" y="107487"/>
+            <a:chExt cx="2296297" cy="2263582"/>
+          </a:xfrm>
+        </p:grpSpPr>
+        <p:pic>
+          <p:nvPicPr>
+            <p:cNvPr id="8" name="图片 7"/>
+            <p:cNvPicPr>
+              <a:picLocks noChangeAspect="1"/>
+            </p:cNvPicPr>
+            <p:nvPr/>
+          </p:nvPicPr>
+          <p:blipFill>
+            <a:blip r:embed="rId2"/>
+            <a:stretch>
+              <a:fillRect/>
+            </a:stretch>
+          </p:blipFill>
+          <p:spPr>
+            <a:xfrm>
+              <a:off x="6690147" y="107487"/>
+              <a:ext cx="2296297" cy="2263582"/>
+            </a:xfrm>
+            <a:prstGeom prst="rect">
+              <a:avLst/>
+            </a:prstGeom>
+          </p:spPr>
+        </p:pic>
+        <p:sp>
+          <p:nvSpPr>
+            <p:cNvPr id="9" name="乘号 8"/>
+            <p:cNvSpPr/>
+            <p:nvPr/>
+          </p:nvSpPr>
+          <p:spPr>
+            <a:xfrm>
+              <a:off x="7400844" y="881890"/>
+              <a:ext cx="874904" cy="714777"/>
+            </a:xfrm>
+            <a:prstGeom prst="mathMultiply">
+              <a:avLst/>
+            </a:prstGeom>
+            <a:noFill/>
+            <a:ln>
+              <a:solidFill>
+                <a:srgbClr val="FF0000"/>
+              </a:solidFill>
+            </a:ln>
+          </p:spPr>
+          <p:style>
+            <a:lnRef idx="2">
+              <a:schemeClr val="accent1">
+                <a:shade val="50000"/>
+              </a:schemeClr>
+            </a:lnRef>
+            <a:fillRef idx="1">
+              <a:schemeClr val="accent1"/>
+            </a:fillRef>
+            <a:effectRef idx="0">
+              <a:schemeClr val="accent1"/>
+            </a:effectRef>
+            <a:fontRef idx="minor">
+              <a:schemeClr val="lt1"/>
+            </a:fontRef>
+          </p:style>
+          <p:txBody>
+            <a:bodyPr rtlCol="0" anchor="ctr"/>
+            <a:lstStyle/>
+            <a:p>
+              <a:pPr algn="ctr"/>
+              <a:endParaRPr lang="zh-CN" altLang="en-US"/>
+            </a:p>
+          </p:txBody>
+        </p:sp>
+      </p:grpSp>
     </p:spTree>
     <p:extLst>
       <p:ext uri="{BB962C8B-B14F-4D97-AF65-F5344CB8AC3E}">
@@ -4061,10 +4991,16 @@
           <a:p>
             <a:pPr lvl="1"/>
             <a:r>
+              <a:rPr lang="en-US" altLang="zh-CN" dirty="0" smtClean="0">
+                <a:latin typeface="Calibri" pitchFamily="34" charset="0"/>
+              </a:rPr>
+              <a:t>1mm</a:t>
+            </a:r>
+            <a:r>
               <a:rPr lang="zh-CN" altLang="en-US" dirty="0" smtClean="0">
                 <a:latin typeface="Calibri" pitchFamily="34" charset="0"/>
               </a:rPr>
-              <a:t>击中方向有偏向</a:t>
+              <a:t>准直孔</a:t>
             </a:r>
             <a:endParaRPr lang="en-US" altLang="zh-CN" dirty="0" smtClean="0">
               <a:latin typeface="Calibri" pitchFamily="34" charset="0"/>
@@ -4076,9 +5012,15 @@
               <a:rPr lang="zh-CN" altLang="en-US" dirty="0" smtClean="0">
                 <a:latin typeface="Calibri" pitchFamily="34" charset="0"/>
               </a:rPr>
-              <a:t>全是串扰么？</a:t>
-            </a:r>
-            <a:endParaRPr lang="zh-CN" altLang="en-US" dirty="0">
+              <a:t>击中</a:t>
+            </a:r>
+            <a:r>
+              <a:rPr lang="zh-CN" altLang="en-US" dirty="0" smtClean="0">
+                <a:latin typeface="Calibri" pitchFamily="34" charset="0"/>
+              </a:rPr>
+              <a:t>方向有偏向</a:t>
+            </a:r>
+            <a:endParaRPr lang="en-US" altLang="zh-CN" dirty="0" smtClean="0">
               <a:latin typeface="Calibri" pitchFamily="34" charset="0"/>
             </a:endParaRPr>
           </a:p>
@@ -4096,7 +5038,7 @@
           <p:nvPr>
             <p:extLst>
               <p:ext uri="{D42A27DB-BD31-4B8C-83A1-F6EECF244321}">
-                <p14:modId xmlns:p14="http://schemas.microsoft.com/office/powerpoint/2010/main" val="2398829608"/>
+                <p14:modId xmlns:p14="http://schemas.microsoft.com/office/powerpoint/2010/main" val="2805828890"/>
               </p:ext>
             </p:extLst>
           </p:nvPr>
@@ -4536,7 +5478,7 @@
                         <a:tabLst/>
                       </a:pPr>
                       <a:r>
-                        <a:rPr kumimoji="0" lang="zh-CN" altLang="en-US" sz="1000" b="0" i="0" u="none" strike="noStrike" cap="none" normalizeH="0" baseline="0" dirty="0" smtClean="0">
+                        <a:rPr kumimoji="0" lang="zh-CN" altLang="en-US" sz="1100" b="0" i="0" u="none" strike="noStrike" cap="none" normalizeH="0" baseline="0" dirty="0" smtClean="0">
                           <a:ln>
                             <a:noFill/>
                           </a:ln>
@@ -4547,9 +5489,67 @@
                           <a:latin typeface="Calibri" pitchFamily="34" charset="0"/>
                           <a:ea typeface="宋体" charset="-122"/>
                         </a:rPr>
-                        <a:t>过第一个阈</a:t>
+                        <a:t>过第一个</a:t>
                       </a:r>
-                      <a:endParaRPr kumimoji="0" lang="zh-CN" altLang="en-US" sz="1000" b="0" i="0" u="none" strike="noStrike" cap="none" normalizeH="0" baseline="0" dirty="0" smtClean="0">
+                      <a:r>
+                        <a:rPr kumimoji="0" lang="zh-CN" altLang="en-US" sz="1100" b="0" i="0" u="none" strike="noStrike" cap="none" normalizeH="0" baseline="0" dirty="0" smtClean="0">
+                          <a:ln>
+                            <a:noFill/>
+                          </a:ln>
+                          <a:solidFill>
+                            <a:srgbClr val="000000"/>
+                          </a:solidFill>
+                          <a:effectLst/>
+                          <a:latin typeface="Calibri" pitchFamily="34" charset="0"/>
+                          <a:ea typeface="宋体" charset="-122"/>
+                        </a:rPr>
+                        <a:t>阈</a:t>
+                      </a:r>
+                      <a:endParaRPr kumimoji="0" lang="en-US" altLang="zh-CN" sz="1100" b="0" i="0" u="none" strike="noStrike" cap="none" normalizeH="0" baseline="0" dirty="0" smtClean="0">
+                        <a:ln>
+                          <a:noFill/>
+                        </a:ln>
+                        <a:solidFill>
+                          <a:srgbClr val="000000"/>
+                        </a:solidFill>
+                        <a:effectLst/>
+                        <a:latin typeface="Calibri" pitchFamily="34" charset="0"/>
+                        <a:ea typeface="宋体" charset="-122"/>
+                      </a:endParaRPr>
+                    </a:p>
+                    <a:p>
+                      <a:pPr marL="0" marR="0" lvl="0" indent="0" algn="ctr" defTabSz="914400" rtl="0" eaLnBrk="1" fontAlgn="base" latinLnBrk="0" hangingPunct="1">
+                        <a:lnSpc>
+                          <a:spcPct val="100000"/>
+                        </a:lnSpc>
+                        <a:spcBef>
+                          <a:spcPct val="0"/>
+                        </a:spcBef>
+                        <a:spcAft>
+                          <a:spcPct val="0"/>
+                        </a:spcAft>
+                        <a:buClrTx/>
+                        <a:buSzTx/>
+                        <a:buFontTx/>
+                        <a:buNone/>
+                        <a:tabLst/>
+                      </a:pPr>
+                      <a:r>
+                        <a:rPr kumimoji="0" lang="en-US" altLang="zh-CN" sz="1100" b="0" i="0" u="none" strike="noStrike" cap="none" normalizeH="0" baseline="0" dirty="0" smtClean="0">
+                          <a:ln>
+                            <a:noFill/>
+                          </a:ln>
+                          <a:solidFill>
+                            <a:srgbClr val="000000"/>
+                          </a:solidFill>
+                          <a:effectLst/>
+                          <a:latin typeface="Calibri" pitchFamily="34" charset="0"/>
+                          <a:ea typeface="宋体" charset="-122"/>
+                          <a:cs typeface="Times New Roman" pitchFamily="18" charset="0"/>
+                        </a:rPr>
+                        <a:t>5fC</a:t>
+                      </a:r>
+                      <a:endParaRPr kumimoji="0" lang="zh-CN" altLang="en-US" sz="1100" b="0" i="0" u="none" strike="noStrike" cap="none" normalizeH="0" baseline="0" dirty="0" smtClean="0">
                         <a:ln>
                           <a:noFill/>
                         </a:ln>
@@ -4633,7 +5633,7 @@
                         <a:tabLst/>
                       </a:pPr>
                       <a:r>
-                        <a:rPr kumimoji="0" lang="zh-CN" altLang="en-US" sz="1000" b="0" i="0" u="none" strike="noStrike" cap="none" normalizeH="0" baseline="0" smtClean="0">
+                        <a:rPr kumimoji="0" lang="zh-CN" altLang="en-US" sz="1100" b="0" i="0" u="none" strike="noStrike" cap="none" normalizeH="0" baseline="0" dirty="0" smtClean="0">
                           <a:ln>
                             <a:noFill/>
                           </a:ln>
@@ -4644,9 +5644,67 @@
                           <a:latin typeface="Calibri" pitchFamily="34" charset="0"/>
                           <a:ea typeface="宋体" charset="-122"/>
                         </a:rPr>
-                        <a:t>过第二个阈</a:t>
+                        <a:t>过第二个</a:t>
                       </a:r>
-                      <a:endParaRPr kumimoji="0" lang="zh-CN" altLang="en-US" sz="1000" b="0" i="0" u="none" strike="noStrike" cap="none" normalizeH="0" baseline="0" smtClean="0">
+                      <a:r>
+                        <a:rPr kumimoji="0" lang="zh-CN" altLang="en-US" sz="1100" b="0" i="0" u="none" strike="noStrike" cap="none" normalizeH="0" baseline="0" dirty="0" smtClean="0">
+                          <a:ln>
+                            <a:noFill/>
+                          </a:ln>
+                          <a:solidFill>
+                            <a:srgbClr val="000000"/>
+                          </a:solidFill>
+                          <a:effectLst/>
+                          <a:latin typeface="Calibri" pitchFamily="34" charset="0"/>
+                          <a:ea typeface="宋体" charset="-122"/>
+                        </a:rPr>
+                        <a:t>阈</a:t>
+                      </a:r>
+                      <a:endParaRPr kumimoji="0" lang="en-US" altLang="zh-CN" sz="1100" b="0" i="0" u="none" strike="noStrike" cap="none" normalizeH="0" baseline="0" dirty="0" smtClean="0">
+                        <a:ln>
+                          <a:noFill/>
+                        </a:ln>
+                        <a:solidFill>
+                          <a:srgbClr val="000000"/>
+                        </a:solidFill>
+                        <a:effectLst/>
+                        <a:latin typeface="Calibri" pitchFamily="34" charset="0"/>
+                        <a:ea typeface="宋体" charset="-122"/>
+                      </a:endParaRPr>
+                    </a:p>
+                    <a:p>
+                      <a:pPr marL="0" marR="0" lvl="0" indent="0" algn="ctr" defTabSz="914400" rtl="0" eaLnBrk="1" fontAlgn="base" latinLnBrk="0" hangingPunct="1">
+                        <a:lnSpc>
+                          <a:spcPct val="100000"/>
+                        </a:lnSpc>
+                        <a:spcBef>
+                          <a:spcPct val="0"/>
+                        </a:spcBef>
+                        <a:spcAft>
+                          <a:spcPct val="0"/>
+                        </a:spcAft>
+                        <a:buClrTx/>
+                        <a:buSzTx/>
+                        <a:buFontTx/>
+                        <a:buNone/>
+                        <a:tabLst/>
+                      </a:pPr>
+                      <a:r>
+                        <a:rPr kumimoji="0" lang="en-US" altLang="zh-CN" sz="1100" b="0" i="0" u="none" strike="noStrike" cap="none" normalizeH="0" baseline="0" dirty="0" smtClean="0">
+                          <a:ln>
+                            <a:noFill/>
+                          </a:ln>
+                          <a:solidFill>
+                            <a:srgbClr val="000000"/>
+                          </a:solidFill>
+                          <a:effectLst/>
+                          <a:latin typeface="Calibri" pitchFamily="34" charset="0"/>
+                          <a:ea typeface="宋体" charset="-122"/>
+                          <a:cs typeface="Times New Roman" pitchFamily="18" charset="0"/>
+                        </a:rPr>
+                        <a:t>5fC</a:t>
+                      </a:r>
+                      <a:endParaRPr kumimoji="0" lang="zh-CN" altLang="en-US" sz="1100" b="0" i="0" u="none" strike="noStrike" cap="none" normalizeH="0" baseline="0" dirty="0" smtClean="0">
                         <a:ln>
                           <a:noFill/>
                         </a:ln>
@@ -4730,7 +5788,7 @@
                         <a:tabLst/>
                       </a:pPr>
                       <a:r>
-                        <a:rPr kumimoji="0" lang="zh-CN" altLang="en-US" sz="1000" b="0" i="0" u="none" strike="noStrike" cap="none" normalizeH="0" baseline="0" smtClean="0">
+                        <a:rPr kumimoji="0" lang="zh-CN" altLang="en-US" sz="1100" b="0" i="0" u="none" strike="noStrike" cap="none" normalizeH="0" baseline="0" dirty="0" smtClean="0">
                           <a:ln>
                             <a:noFill/>
                           </a:ln>
@@ -4741,9 +5799,67 @@
                           <a:latin typeface="Calibri" pitchFamily="34" charset="0"/>
                           <a:ea typeface="宋体" charset="-122"/>
                         </a:rPr>
-                        <a:t>过第三个阈</a:t>
+                        <a:t>过第三个</a:t>
                       </a:r>
-                      <a:endParaRPr kumimoji="0" lang="zh-CN" altLang="en-US" sz="1000" b="0" i="0" u="none" strike="noStrike" cap="none" normalizeH="0" baseline="0" smtClean="0">
+                      <a:r>
+                        <a:rPr kumimoji="0" lang="zh-CN" altLang="en-US" sz="1100" b="0" i="0" u="none" strike="noStrike" cap="none" normalizeH="0" baseline="0" dirty="0" smtClean="0">
+                          <a:ln>
+                            <a:noFill/>
+                          </a:ln>
+                          <a:solidFill>
+                            <a:srgbClr val="000000"/>
+                          </a:solidFill>
+                          <a:effectLst/>
+                          <a:latin typeface="Calibri" pitchFamily="34" charset="0"/>
+                          <a:ea typeface="宋体" charset="-122"/>
+                        </a:rPr>
+                        <a:t>阈</a:t>
+                      </a:r>
+                      <a:endParaRPr kumimoji="0" lang="en-US" altLang="zh-CN" sz="1100" b="0" i="0" u="none" strike="noStrike" cap="none" normalizeH="0" baseline="0" dirty="0" smtClean="0">
+                        <a:ln>
+                          <a:noFill/>
+                        </a:ln>
+                        <a:solidFill>
+                          <a:srgbClr val="000000"/>
+                        </a:solidFill>
+                        <a:effectLst/>
+                        <a:latin typeface="Calibri" pitchFamily="34" charset="0"/>
+                        <a:ea typeface="宋体" charset="-122"/>
+                      </a:endParaRPr>
+                    </a:p>
+                    <a:p>
+                      <a:pPr marL="0" marR="0" lvl="0" indent="0" algn="ctr" defTabSz="914400" rtl="0" eaLnBrk="1" fontAlgn="base" latinLnBrk="0" hangingPunct="1">
+                        <a:lnSpc>
+                          <a:spcPct val="100000"/>
+                        </a:lnSpc>
+                        <a:spcBef>
+                          <a:spcPct val="0"/>
+                        </a:spcBef>
+                        <a:spcAft>
+                          <a:spcPct val="0"/>
+                        </a:spcAft>
+                        <a:buClrTx/>
+                        <a:buSzTx/>
+                        <a:buFontTx/>
+                        <a:buNone/>
+                        <a:tabLst/>
+                      </a:pPr>
+                      <a:r>
+                        <a:rPr kumimoji="0" lang="en-US" altLang="zh-CN" sz="1100" b="0" i="0" u="none" strike="noStrike" cap="none" normalizeH="0" baseline="0" dirty="0" smtClean="0">
+                          <a:ln>
+                            <a:noFill/>
+                          </a:ln>
+                          <a:solidFill>
+                            <a:srgbClr val="000000"/>
+                          </a:solidFill>
+                          <a:effectLst/>
+                          <a:latin typeface="Calibri" pitchFamily="34" charset="0"/>
+                          <a:ea typeface="宋体" charset="-122"/>
+                          <a:cs typeface="Times New Roman" pitchFamily="18" charset="0"/>
+                        </a:rPr>
+                        <a:t>5fC</a:t>
+                      </a:r>
+                      <a:endParaRPr kumimoji="0" lang="zh-CN" altLang="en-US" sz="1100" b="0" i="0" u="none" strike="noStrike" cap="none" normalizeH="0" baseline="0" dirty="0" smtClean="0">
                         <a:ln>
                           <a:noFill/>
                         </a:ln>
@@ -5066,7 +6182,7 @@
                         <a:buNone/>
                         <a:tabLst/>
                       </a:pPr>
-                      <a:endParaRPr kumimoji="0" lang="en-US" altLang="zh-CN" sz="1000" b="0" i="0" u="none" strike="noStrike" cap="none" normalizeH="0" baseline="0" dirty="0" smtClean="0">
+                      <a:endParaRPr kumimoji="0" lang="en-US" altLang="zh-CN" sz="1100" b="0" i="0" u="none" strike="noStrike" cap="none" normalizeH="0" baseline="0" dirty="0" smtClean="0">
                         <a:ln>
                           <a:noFill/>
                         </a:ln>
@@ -5096,7 +6212,7 @@
                         <a:tabLst/>
                       </a:pPr>
                       <a:r>
-                        <a:rPr kumimoji="0" lang="en-US" altLang="zh-CN" sz="1000" b="0" i="0" u="none" strike="noStrike" cap="none" normalizeH="0" baseline="0" dirty="0" smtClean="0">
+                        <a:rPr kumimoji="0" lang="en-US" altLang="zh-CN" sz="1100" b="0" i="0" u="none" strike="noStrike" cap="none" normalizeH="0" baseline="0" dirty="0" smtClean="0">
                           <a:ln>
                             <a:noFill/>
                           </a:ln>
@@ -5109,7 +6225,7 @@
                         </a:rPr>
                         <a:t>2</a:t>
                       </a:r>
-                      <a:endParaRPr kumimoji="0" lang="zh-CN" altLang="zh-CN" sz="1000" b="0" i="0" u="none" strike="noStrike" cap="none" normalizeH="0" baseline="0" dirty="0" smtClean="0">
+                      <a:endParaRPr kumimoji="0" lang="zh-CN" altLang="zh-CN" sz="1100" b="0" i="0" u="none" strike="noStrike" cap="none" normalizeH="0" baseline="0" dirty="0" smtClean="0">
                         <a:ln>
                           <a:noFill/>
                         </a:ln>
@@ -5191,7 +6307,7 @@
                         <a:buNone/>
                         <a:tabLst/>
                       </a:pPr>
-                      <a:endParaRPr kumimoji="0" lang="en-US" altLang="zh-CN" sz="1000" b="0" i="0" u="none" strike="noStrike" cap="none" normalizeH="0" baseline="0" dirty="0" smtClean="0">
+                      <a:endParaRPr kumimoji="0" lang="en-US" altLang="zh-CN" sz="1100" b="0" i="0" u="none" strike="noStrike" cap="none" normalizeH="0" baseline="0" dirty="0" smtClean="0">
                         <a:ln>
                           <a:noFill/>
                         </a:ln>
@@ -5221,7 +6337,7 @@
                         <a:tabLst/>
                       </a:pPr>
                       <a:r>
-                        <a:rPr kumimoji="0" lang="en-US" altLang="zh-CN" sz="1000" b="0" i="0" u="none" strike="noStrike" cap="none" normalizeH="0" baseline="0" dirty="0" smtClean="0">
+                        <a:rPr kumimoji="0" lang="en-US" altLang="zh-CN" sz="1100" b="0" i="0" u="none" strike="noStrike" cap="none" normalizeH="0" baseline="0" dirty="0" smtClean="0">
                           <a:ln>
                             <a:noFill/>
                           </a:ln>
@@ -5234,7 +6350,7 @@
                         </a:rPr>
                         <a:t>0</a:t>
                       </a:r>
-                      <a:endParaRPr kumimoji="0" lang="zh-CN" altLang="zh-CN" sz="1000" b="0" i="0" u="none" strike="noStrike" cap="none" normalizeH="0" baseline="0" dirty="0" smtClean="0">
+                      <a:endParaRPr kumimoji="0" lang="zh-CN" altLang="zh-CN" sz="1100" b="0" i="0" u="none" strike="noStrike" cap="none" normalizeH="0" baseline="0" dirty="0" smtClean="0">
                         <a:ln>
                           <a:noFill/>
                         </a:ln>
@@ -5316,7 +6432,7 @@
                         <a:buNone/>
                         <a:tabLst/>
                       </a:pPr>
-                      <a:endParaRPr kumimoji="0" lang="en-US" altLang="zh-CN" sz="1000" b="0" i="0" u="none" strike="noStrike" cap="none" normalizeH="0" baseline="0" dirty="0" smtClean="0">
+                      <a:endParaRPr kumimoji="0" lang="en-US" altLang="zh-CN" sz="1100" b="0" i="0" u="none" strike="noStrike" cap="none" normalizeH="0" baseline="0" dirty="0" smtClean="0">
                         <a:ln>
                           <a:noFill/>
                         </a:ln>
@@ -5346,7 +6462,7 @@
                         <a:tabLst/>
                       </a:pPr>
                       <a:r>
-                        <a:rPr kumimoji="0" lang="en-US" altLang="zh-CN" sz="1000" b="0" i="0" u="none" strike="noStrike" cap="none" normalizeH="0" baseline="0" dirty="0" smtClean="0">
+                        <a:rPr kumimoji="0" lang="en-US" altLang="zh-CN" sz="1100" b="0" i="0" u="none" strike="noStrike" cap="none" normalizeH="0" baseline="0" dirty="0" smtClean="0">
                           <a:ln>
                             <a:noFill/>
                           </a:ln>
@@ -5359,7 +6475,7 @@
                         </a:rPr>
                         <a:t>0</a:t>
                       </a:r>
-                      <a:endParaRPr kumimoji="0" lang="zh-CN" altLang="zh-CN" sz="1000" b="0" i="0" u="none" strike="noStrike" cap="none" normalizeH="0" baseline="0" dirty="0" smtClean="0">
+                      <a:endParaRPr kumimoji="0" lang="zh-CN" altLang="zh-CN" sz="1100" b="0" i="0" u="none" strike="noStrike" cap="none" normalizeH="0" baseline="0" dirty="0" smtClean="0">
                         <a:ln>
                           <a:noFill/>
                         </a:ln>
@@ -5667,7 +6783,7 @@
                         <a:buNone/>
                         <a:tabLst/>
                       </a:pPr>
-                      <a:endParaRPr kumimoji="0" lang="en-US" altLang="zh-CN" sz="1000" b="0" i="0" u="none" strike="noStrike" cap="none" normalizeH="0" baseline="0" dirty="0" smtClean="0">
+                      <a:endParaRPr kumimoji="0" lang="en-US" altLang="zh-CN" sz="1100" b="0" i="0" u="none" strike="noStrike" cap="none" normalizeH="0" baseline="0" dirty="0" smtClean="0">
                         <a:ln>
                           <a:noFill/>
                         </a:ln>
@@ -5697,7 +6813,7 @@
                         <a:tabLst/>
                       </a:pPr>
                       <a:r>
-                        <a:rPr kumimoji="0" lang="en-US" altLang="zh-CN" sz="1000" b="0" i="0" u="none" strike="noStrike" cap="none" normalizeH="0" baseline="0" dirty="0" smtClean="0">
+                        <a:rPr kumimoji="0" lang="en-US" altLang="zh-CN" sz="1100" b="0" i="0" u="none" strike="noStrike" cap="none" normalizeH="0" baseline="0" dirty="0" smtClean="0">
                           <a:ln>
                             <a:noFill/>
                           </a:ln>
@@ -5711,7 +6827,7 @@
                         <a:t>9</a:t>
                       </a:r>
                       <a:r>
-                        <a:rPr kumimoji="0" lang="en-US" altLang="zh-CN" sz="1000" b="0" i="0" u="none" strike="noStrike" cap="none" normalizeH="0" baseline="0" dirty="0" smtClean="0">
+                        <a:rPr kumimoji="0" lang="en-US" altLang="zh-CN" sz="1100" b="0" i="0" u="none" strike="noStrike" cap="none" normalizeH="0" baseline="0" dirty="0" smtClean="0">
                           <a:ln>
                             <a:noFill/>
                           </a:ln>
@@ -5724,7 +6840,7 @@
                         </a:rPr>
                         <a:t>(1)</a:t>
                       </a:r>
-                      <a:endParaRPr kumimoji="0" lang="zh-CN" altLang="zh-CN" sz="1000" b="0" i="0" u="none" strike="noStrike" cap="none" normalizeH="0" baseline="0" dirty="0" smtClean="0">
+                      <a:endParaRPr kumimoji="0" lang="zh-CN" altLang="zh-CN" sz="1100" b="0" i="0" u="none" strike="noStrike" cap="none" normalizeH="0" baseline="0" dirty="0" smtClean="0">
                         <a:ln>
                           <a:noFill/>
                         </a:ln>
@@ -5806,7 +6922,7 @@
                         <a:buNone/>
                         <a:tabLst/>
                       </a:pPr>
-                      <a:endParaRPr kumimoji="0" lang="en-US" altLang="zh-CN" sz="1000" b="0" i="0" u="none" strike="noStrike" cap="none" normalizeH="0" baseline="0" dirty="0" smtClean="0">
+                      <a:endParaRPr kumimoji="0" lang="en-US" altLang="zh-CN" sz="1100" b="0" i="0" u="none" strike="noStrike" cap="none" normalizeH="0" baseline="0" dirty="0" smtClean="0">
                         <a:ln>
                           <a:noFill/>
                         </a:ln>
@@ -5836,7 +6952,7 @@
                         <a:tabLst/>
                       </a:pPr>
                       <a:r>
-                        <a:rPr kumimoji="0" lang="en-US" altLang="zh-CN" sz="1000" b="0" i="0" u="none" strike="noStrike" cap="none" normalizeH="0" baseline="0" dirty="0" smtClean="0">
+                        <a:rPr kumimoji="0" lang="en-US" altLang="zh-CN" sz="1100" b="0" i="0" u="none" strike="noStrike" cap="none" normalizeH="0" baseline="0" dirty="0" smtClean="0">
                           <a:ln>
                             <a:noFill/>
                           </a:ln>
@@ -5850,7 +6966,7 @@
                         <a:t>19</a:t>
                       </a:r>
                       <a:r>
-                        <a:rPr kumimoji="0" lang="en-US" altLang="zh-CN" sz="1000" b="0" i="0" u="none" strike="noStrike" cap="none" normalizeH="0" baseline="0" dirty="0" smtClean="0">
+                        <a:rPr kumimoji="0" lang="en-US" altLang="zh-CN" sz="1100" b="0" i="0" u="none" strike="noStrike" cap="none" normalizeH="0" baseline="0" dirty="0" smtClean="0">
                           <a:ln>
                             <a:noFill/>
                           </a:ln>
@@ -5863,7 +6979,7 @@
                         </a:rPr>
                         <a:t>(7)</a:t>
                       </a:r>
-                      <a:endParaRPr kumimoji="0" lang="zh-CN" altLang="zh-CN" sz="1000" b="0" i="0" u="none" strike="noStrike" cap="none" normalizeH="0" baseline="0" dirty="0" smtClean="0">
+                      <a:endParaRPr kumimoji="0" lang="zh-CN" altLang="zh-CN" sz="1100" b="0" i="0" u="none" strike="noStrike" cap="none" normalizeH="0" baseline="0" dirty="0" smtClean="0">
                         <a:ln>
                           <a:noFill/>
                         </a:ln>
@@ -5945,7 +7061,7 @@
                         <a:buNone/>
                         <a:tabLst/>
                       </a:pPr>
-                      <a:endParaRPr kumimoji="0" lang="en-US" altLang="zh-CN" sz="1000" b="0" i="0" u="none" strike="noStrike" cap="none" normalizeH="0" baseline="0" dirty="0" smtClean="0">
+                      <a:endParaRPr kumimoji="0" lang="en-US" altLang="zh-CN" sz="1100" b="0" i="0" u="none" strike="noStrike" cap="none" normalizeH="0" baseline="0" dirty="0" smtClean="0">
                         <a:ln>
                           <a:noFill/>
                         </a:ln>
@@ -5975,7 +7091,7 @@
                         <a:tabLst/>
                       </a:pPr>
                       <a:r>
-                        <a:rPr kumimoji="0" lang="en-US" altLang="zh-CN" sz="1000" b="0" i="0" u="none" strike="noStrike" cap="none" normalizeH="0" baseline="0" dirty="0" smtClean="0">
+                        <a:rPr kumimoji="0" lang="en-US" altLang="zh-CN" sz="1100" b="0" i="0" u="none" strike="noStrike" cap="none" normalizeH="0" baseline="0" dirty="0" smtClean="0">
                           <a:ln>
                             <a:noFill/>
                           </a:ln>
@@ -5989,7 +7105,7 @@
                         <a:t>0</a:t>
                       </a:r>
                       <a:r>
-                        <a:rPr kumimoji="0" lang="en-US" altLang="zh-CN" sz="1000" b="0" i="0" u="none" strike="noStrike" cap="none" normalizeH="0" baseline="0" dirty="0" smtClean="0">
+                        <a:rPr kumimoji="0" lang="en-US" altLang="zh-CN" sz="1100" b="0" i="0" u="none" strike="noStrike" cap="none" normalizeH="0" baseline="0" dirty="0" smtClean="0">
                           <a:ln>
                             <a:noFill/>
                           </a:ln>
@@ -6002,7 +7118,7 @@
                         </a:rPr>
                         <a:t> </a:t>
                       </a:r>
-                      <a:endParaRPr kumimoji="0" lang="zh-CN" altLang="zh-CN" sz="1000" b="0" i="0" u="none" strike="noStrike" cap="none" normalizeH="0" baseline="0" dirty="0" smtClean="0">
+                      <a:endParaRPr kumimoji="0" lang="zh-CN" altLang="zh-CN" sz="1100" b="0" i="0" u="none" strike="noStrike" cap="none" normalizeH="0" baseline="0" dirty="0" smtClean="0">
                         <a:ln>
                           <a:noFill/>
                         </a:ln>
@@ -6310,7 +7426,7 @@
                         <a:buNone/>
                         <a:tabLst/>
                       </a:pPr>
-                      <a:endParaRPr kumimoji="0" lang="en-US" altLang="zh-CN" sz="1000" b="0" i="0" u="none" strike="noStrike" cap="none" normalizeH="0" baseline="0" dirty="0" smtClean="0">
+                      <a:endParaRPr kumimoji="0" lang="en-US" altLang="zh-CN" sz="1100" b="0" i="0" u="none" strike="noStrike" cap="none" normalizeH="0" baseline="0" dirty="0" smtClean="0">
                         <a:ln>
                           <a:noFill/>
                         </a:ln>
@@ -6340,7 +7456,7 @@
                         <a:tabLst/>
                       </a:pPr>
                       <a:r>
-                        <a:rPr kumimoji="0" lang="en-US" altLang="zh-CN" sz="1000" b="0" i="0" u="none" strike="noStrike" cap="none" normalizeH="0" baseline="0" dirty="0" smtClean="0">
+                        <a:rPr kumimoji="0" lang="en-US" altLang="zh-CN" sz="1100" b="0" i="0" u="none" strike="noStrike" cap="none" normalizeH="0" baseline="0" dirty="0" smtClean="0">
                           <a:ln>
                             <a:noFill/>
                           </a:ln>
@@ -6354,7 +7470,7 @@
                         <a:t>431</a:t>
                       </a:r>
                       <a:r>
-                        <a:rPr kumimoji="0" lang="en-US" altLang="zh-CN" sz="1000" b="0" i="0" u="none" strike="noStrike" cap="none" normalizeH="0" baseline="0" dirty="0" smtClean="0">
+                        <a:rPr kumimoji="0" lang="en-US" altLang="zh-CN" sz="1100" b="0" i="0" u="none" strike="noStrike" cap="none" normalizeH="0" baseline="0" dirty="0" smtClean="0">
                           <a:ln>
                             <a:noFill/>
                           </a:ln>
@@ -6367,7 +7483,7 @@
                         </a:rPr>
                         <a:t>(18)</a:t>
                       </a:r>
-                      <a:endParaRPr kumimoji="0" lang="zh-CN" altLang="zh-CN" sz="1000" b="0" i="0" u="none" strike="noStrike" cap="none" normalizeH="0" baseline="0" dirty="0" smtClean="0">
+                      <a:endParaRPr kumimoji="0" lang="zh-CN" altLang="zh-CN" sz="1100" b="0" i="0" u="none" strike="noStrike" cap="none" normalizeH="0" baseline="0" dirty="0" smtClean="0">
                         <a:ln>
                           <a:noFill/>
                         </a:ln>
@@ -6449,7 +7565,7 @@
                         <a:buNone/>
                         <a:tabLst/>
                       </a:pPr>
-                      <a:endParaRPr kumimoji="0" lang="en-US" altLang="zh-CN" sz="1000" b="0" i="0" u="none" strike="noStrike" cap="none" normalizeH="0" baseline="0" dirty="0" smtClean="0">
+                      <a:endParaRPr kumimoji="0" lang="en-US" altLang="zh-CN" sz="1100" b="0" i="0" u="none" strike="noStrike" cap="none" normalizeH="0" baseline="0" dirty="0" smtClean="0">
                         <a:ln>
                           <a:noFill/>
                         </a:ln>
@@ -6479,7 +7595,7 @@
                         <a:tabLst/>
                       </a:pPr>
                       <a:r>
-                        <a:rPr kumimoji="0" lang="en-US" altLang="zh-CN" sz="1000" b="0" i="0" u="none" strike="noStrike" cap="none" normalizeH="0" baseline="0" dirty="0" smtClean="0">
+                        <a:rPr kumimoji="0" lang="en-US" altLang="zh-CN" sz="1100" b="0" i="0" u="none" strike="noStrike" cap="none" normalizeH="0" baseline="0" dirty="0" smtClean="0">
                           <a:ln>
                             <a:noFill/>
                           </a:ln>
@@ -6493,7 +7609,7 @@
                         <a:t>230</a:t>
                       </a:r>
                       <a:r>
-                        <a:rPr kumimoji="0" lang="en-US" altLang="zh-CN" sz="1000" b="0" i="0" u="none" strike="noStrike" cap="none" normalizeH="0" baseline="0" dirty="0" smtClean="0">
+                        <a:rPr kumimoji="0" lang="en-US" altLang="zh-CN" sz="1100" b="0" i="0" u="none" strike="noStrike" cap="none" normalizeH="0" baseline="0" dirty="0" smtClean="0">
                           <a:ln>
                             <a:noFill/>
                           </a:ln>
@@ -6506,7 +7622,7 @@
                         </a:rPr>
                         <a:t>(17)</a:t>
                       </a:r>
-                      <a:endParaRPr kumimoji="0" lang="zh-CN" altLang="zh-CN" sz="1000" b="0" i="0" u="none" strike="noStrike" cap="none" normalizeH="0" baseline="0" dirty="0" smtClean="0">
+                      <a:endParaRPr kumimoji="0" lang="zh-CN" altLang="zh-CN" sz="1100" b="0" i="0" u="none" strike="noStrike" cap="none" normalizeH="0" baseline="0" dirty="0" smtClean="0">
                         <a:ln>
                           <a:noFill/>
                         </a:ln>
@@ -6588,7 +7704,7 @@
                         <a:buNone/>
                         <a:tabLst/>
                       </a:pPr>
-                      <a:endParaRPr kumimoji="0" lang="en-US" altLang="zh-CN" sz="1000" b="0" i="0" u="none" strike="noStrike" cap="none" normalizeH="0" baseline="0" dirty="0" smtClean="0">
+                      <a:endParaRPr kumimoji="0" lang="en-US" altLang="zh-CN" sz="1100" b="0" i="0" u="none" strike="noStrike" cap="none" normalizeH="0" baseline="0" dirty="0" smtClean="0">
                         <a:ln>
                           <a:noFill/>
                         </a:ln>
@@ -6618,7 +7734,7 @@
                         <a:tabLst/>
                       </a:pPr>
                       <a:r>
-                        <a:rPr kumimoji="0" lang="en-US" altLang="zh-CN" sz="1000" b="0" i="0" u="none" strike="noStrike" cap="none" normalizeH="0" baseline="0" dirty="0" smtClean="0">
+                        <a:rPr kumimoji="0" lang="en-US" altLang="zh-CN" sz="1100" b="0" i="0" u="none" strike="noStrike" cap="none" normalizeH="0" baseline="0" dirty="0" smtClean="0">
                           <a:ln>
                             <a:noFill/>
                           </a:ln>
@@ -6632,7 +7748,7 @@
                         <a:t>157</a:t>
                       </a:r>
                       <a:r>
-                        <a:rPr kumimoji="0" lang="en-US" altLang="zh-CN" sz="1000" b="0" i="0" u="none" strike="noStrike" cap="none" normalizeH="0" baseline="0" dirty="0" smtClean="0">
+                        <a:rPr kumimoji="0" lang="en-US" altLang="zh-CN" sz="1100" b="0" i="0" u="none" strike="noStrike" cap="none" normalizeH="0" baseline="0" dirty="0" smtClean="0">
                           <a:ln>
                             <a:noFill/>
                           </a:ln>
@@ -6645,7 +7761,7 @@
                         </a:rPr>
                         <a:t>(17)</a:t>
                       </a:r>
-                      <a:endParaRPr kumimoji="0" lang="zh-CN" altLang="zh-CN" sz="1000" b="0" i="0" u="none" strike="noStrike" cap="none" normalizeH="0" baseline="0" dirty="0" smtClean="0">
+                      <a:endParaRPr kumimoji="0" lang="zh-CN" altLang="zh-CN" sz="1100" b="0" i="0" u="none" strike="noStrike" cap="none" normalizeH="0" baseline="0" dirty="0" smtClean="0">
                         <a:ln>
                           <a:noFill/>
                         </a:ln>
@@ -6749,17 +7865,7 @@
                 <a:latin typeface="楷体" pitchFamily="49" charset="-122"/>
                 <a:ea typeface="楷体" pitchFamily="49" charset="-122"/>
               </a:rPr>
-              <a:t>红色部分为九宫格</a:t>
-            </a:r>
-            <a:r>
-              <a:rPr lang="zh-CN" altLang="en-US" sz="1600" dirty="0">
-                <a:solidFill>
-                  <a:srgbClr val="FF0000"/>
-                </a:solidFill>
-                <a:latin typeface="楷体" pitchFamily="49" charset="-122"/>
-                <a:ea typeface="楷体" pitchFamily="49" charset="-122"/>
-              </a:rPr>
-              <a:t>内扣除</a:t>
+              <a:t>红色部分为九宫格内扣除</a:t>
             </a:r>
             <a:r>
               <a:rPr lang="en-US" altLang="zh-CN" sz="1600" dirty="0">
@@ -6799,17 +7905,7 @@
                 <a:latin typeface="楷体" pitchFamily="49" charset="-122"/>
                 <a:ea typeface="楷体" pitchFamily="49" charset="-122"/>
               </a:rPr>
-              <a:t>后过</a:t>
-            </a:r>
-            <a:r>
-              <a:rPr lang="zh-CN" altLang="en-US" sz="1600" dirty="0">
-                <a:solidFill>
-                  <a:srgbClr val="FF0000"/>
-                </a:solidFill>
-                <a:latin typeface="楷体" pitchFamily="49" charset="-122"/>
-                <a:ea typeface="楷体" pitchFamily="49" charset="-122"/>
-              </a:rPr>
-              <a:t>阈</a:t>
+              <a:t>后过阈</a:t>
             </a:r>
             <a:r>
               <a:rPr lang="en-US" altLang="zh-CN" sz="1600" dirty="0">
@@ -7140,82 +8236,97 @@
             </a:r>
             <a:r>
               <a:rPr lang="zh-CN" altLang="en-US" dirty="0" smtClean="0"/>
-              <a:t>时钟延时</a:t>
+              <a:t>时钟控制延时</a:t>
             </a:r>
             <a:endParaRPr lang="zh-CN" altLang="en-US" dirty="0"/>
           </a:p>
         </p:txBody>
       </p:sp>
-      <p:pic>
-        <p:nvPicPr>
-          <p:cNvPr id="4" name="图片 3"/>
-          <p:cNvPicPr>
-            <a:picLocks noChangeAspect="1"/>
-          </p:cNvPicPr>
+      <p:grpSp>
+        <p:nvGrpSpPr>
+          <p:cNvPr id="7" name="组合 6"/>
+          <p:cNvGrpSpPr/>
           <p:nvPr/>
-        </p:nvPicPr>
-        <p:blipFill>
-          <a:blip r:embed="rId2"/>
-          <a:stretch>
-            <a:fillRect/>
-          </a:stretch>
-        </p:blipFill>
-        <p:spPr>
+        </p:nvGrpSpPr>
+        <p:grpSpPr>
           <a:xfrm>
-            <a:off x="239568" y="3326870"/>
-            <a:ext cx="4972511" cy="2967886"/>
+            <a:off x="548059" y="3522244"/>
+            <a:ext cx="7532725" cy="2620908"/>
+            <a:chOff x="200330" y="3322750"/>
+            <a:chExt cx="7532725" cy="2620908"/>
           </a:xfrm>
-          <a:prstGeom prst="rect">
-            <a:avLst/>
-          </a:prstGeom>
-        </p:spPr>
-      </p:pic>
-      <p:sp>
-        <p:nvSpPr>
-          <p:cNvPr id="5" name="椭圆 4"/>
-          <p:cNvSpPr/>
-          <p:nvPr/>
-        </p:nvSpPr>
-        <p:spPr>
-          <a:xfrm>
-            <a:off x="2514600" y="5696712"/>
-            <a:ext cx="1024128" cy="704088"/>
-          </a:xfrm>
-          <a:prstGeom prst="ellipse">
-            <a:avLst/>
-          </a:prstGeom>
-          <a:noFill/>
-          <a:ln>
-            <a:solidFill>
-              <a:srgbClr val="FF0000"/>
-            </a:solidFill>
-          </a:ln>
-        </p:spPr>
-        <p:style>
-          <a:lnRef idx="2">
-            <a:schemeClr val="accent1">
-              <a:shade val="50000"/>
-            </a:schemeClr>
-          </a:lnRef>
-          <a:fillRef idx="1">
-            <a:schemeClr val="accent1"/>
-          </a:fillRef>
-          <a:effectRef idx="0">
-            <a:schemeClr val="accent1"/>
-          </a:effectRef>
-          <a:fontRef idx="minor">
-            <a:schemeClr val="lt1"/>
-          </a:fontRef>
-        </p:style>
-        <p:txBody>
-          <a:bodyPr rtlCol="0" anchor="ctr"/>
-          <a:lstStyle/>
-          <a:p>
-            <a:pPr algn="ctr"/>
-            <a:endParaRPr lang="zh-CN" altLang="en-US"/>
-          </a:p>
-        </p:txBody>
-      </p:sp>
+        </p:grpSpPr>
+        <p:pic>
+          <p:nvPicPr>
+            <p:cNvPr id="6" name="图片 5"/>
+            <p:cNvPicPr>
+              <a:picLocks noChangeAspect="1"/>
+            </p:cNvPicPr>
+            <p:nvPr/>
+          </p:nvPicPr>
+          <p:blipFill>
+            <a:blip r:embed="rId2"/>
+            <a:stretch>
+              <a:fillRect/>
+            </a:stretch>
+          </p:blipFill>
+          <p:spPr>
+            <a:xfrm>
+              <a:off x="200330" y="3322750"/>
+              <a:ext cx="7532725" cy="2546344"/>
+            </a:xfrm>
+            <a:prstGeom prst="rect">
+              <a:avLst/>
+            </a:prstGeom>
+          </p:spPr>
+        </p:pic>
+        <p:sp>
+          <p:nvSpPr>
+            <p:cNvPr id="5" name="椭圆 4"/>
+            <p:cNvSpPr/>
+            <p:nvPr/>
+          </p:nvSpPr>
+          <p:spPr>
+            <a:xfrm>
+              <a:off x="2050961" y="5239570"/>
+              <a:ext cx="1024128" cy="704088"/>
+            </a:xfrm>
+            <a:prstGeom prst="ellipse">
+              <a:avLst/>
+            </a:prstGeom>
+            <a:noFill/>
+            <a:ln>
+              <a:solidFill>
+                <a:srgbClr val="FF0000"/>
+              </a:solidFill>
+            </a:ln>
+          </p:spPr>
+          <p:style>
+            <a:lnRef idx="2">
+              <a:schemeClr val="accent1">
+                <a:shade val="50000"/>
+              </a:schemeClr>
+            </a:lnRef>
+            <a:fillRef idx="1">
+              <a:schemeClr val="accent1"/>
+            </a:fillRef>
+            <a:effectRef idx="0">
+              <a:schemeClr val="accent1"/>
+            </a:effectRef>
+            <a:fontRef idx="minor">
+              <a:schemeClr val="lt1"/>
+            </a:fontRef>
+          </p:style>
+          <p:txBody>
+            <a:bodyPr rtlCol="0" anchor="ctr"/>
+            <a:lstStyle/>
+            <a:p>
+              <a:pPr algn="ctr"/>
+              <a:endParaRPr lang="zh-CN" altLang="en-US"/>
+            </a:p>
+          </p:txBody>
+        </p:sp>
+      </p:grpSp>
     </p:spTree>
     <p:extLst>
       <p:ext uri="{BB962C8B-B14F-4D97-AF65-F5344CB8AC3E}">
@@ -7283,11 +8394,24 @@
             <p:ph idx="1"/>
           </p:nvPr>
         </p:nvSpPr>
-        <p:spPr/>
+        <p:spPr>
+          <a:xfrm>
+            <a:off x="822959" y="1175395"/>
+            <a:ext cx="3237705" cy="4693699"/>
+          </a:xfrm>
+        </p:spPr>
         <p:txBody>
           <a:bodyPr/>
           <a:lstStyle/>
           <a:p>
+            <a:r>
+              <a:rPr lang="zh-CN" altLang="en-US" dirty="0" smtClean="0"/>
+              <a:t>延迟和保持时间可以</a:t>
+            </a:r>
+            <a:r>
+              <a:rPr lang="zh-CN" altLang="en-US" dirty="0" smtClean="0"/>
+              <a:t>设定</a:t>
+            </a:r>
             <a:endParaRPr lang="zh-CN" altLang="en-US" dirty="0"/>
           </a:p>
         </p:txBody>
@@ -7408,7 +8532,7 @@
                     <a:srgbClr val="00DF00"/>
                   </a:solidFill>
                 </a:rPr>
-                <a:t>使能</a:t>
+                <a:t>信号</a:t>
               </a:r>
               <a:endParaRPr lang="zh-CN" altLang="en-US" dirty="0">
                 <a:solidFill>
@@ -7463,7 +8587,7 @@
           <p:spPr>
             <a:xfrm>
               <a:off x="2861772" y="5364259"/>
-              <a:ext cx="1087157" cy="369332"/>
+              <a:ext cx="1107996" cy="369332"/>
             </a:xfrm>
             <a:prstGeom prst="rect">
               <a:avLst/>
@@ -7477,12 +8601,12 @@
             <a:lstStyle/>
             <a:p>
               <a:r>
-                <a:rPr lang="en-US" altLang="zh-CN" dirty="0" smtClean="0">
+                <a:rPr lang="zh-CN" altLang="en-US" dirty="0">
                   <a:solidFill>
                     <a:srgbClr val="00E8E8"/>
                   </a:solidFill>
                 </a:rPr>
-                <a:t>Hold</a:t>
+                <a:t>峰保</a:t>
               </a:r>
               <a:r>
                 <a:rPr lang="zh-CN" altLang="en-US" dirty="0" smtClean="0">
@@ -7672,7 +8796,7 @@
           <p:spPr>
             <a:xfrm>
               <a:off x="7147504" y="2583571"/>
-              <a:ext cx="1087157" cy="369332"/>
+              <a:ext cx="1713161" cy="369332"/>
             </a:xfrm>
             <a:prstGeom prst="rect">
               <a:avLst/>
@@ -7686,12 +8810,12 @@
             <a:lstStyle/>
             <a:p>
               <a:r>
-                <a:rPr lang="en-US" altLang="zh-CN" dirty="0" smtClean="0">
+                <a:rPr lang="zh-CN" altLang="en-US" dirty="0" smtClean="0">
                   <a:solidFill>
                     <a:srgbClr val="00E8E8"/>
                   </a:solidFill>
                 </a:rPr>
-                <a:t>Hold</a:t>
+                <a:t>没有峰保</a:t>
               </a:r>
               <a:r>
                 <a:rPr lang="zh-CN" altLang="en-US" dirty="0" smtClean="0">
@@ -7861,124 +8985,200 @@
           </a:p>
         </p:txBody>
       </p:sp>
-      <p:sp>
-        <p:nvSpPr>
-          <p:cNvPr id="3" name="内容占位符 2"/>
-          <p:cNvSpPr>
-            <a:spLocks noGrp="1"/>
-          </p:cNvSpPr>
-          <p:nvPr>
-            <p:ph idx="1"/>
-          </p:nvPr>
-        </p:nvSpPr>
-        <p:spPr/>
-        <p:txBody>
-          <a:bodyPr/>
-          <a:lstStyle/>
-          <a:p>
-            <a:r>
-              <a:rPr lang="en-US" altLang="zh-CN" dirty="0" smtClean="0"/>
-              <a:t>ADC</a:t>
-            </a:r>
-            <a:r>
-              <a:rPr lang="zh-CN" altLang="en-US" dirty="0" smtClean="0"/>
-              <a:t>：</a:t>
-            </a:r>
-            <a:endParaRPr lang="en-US" altLang="zh-CN" dirty="0" smtClean="0"/>
-          </a:p>
-          <a:p>
-            <a:pPr lvl="1"/>
-            <a:r>
-              <a:rPr lang="zh-CN" altLang="en-US" dirty="0" smtClean="0"/>
-              <a:t>采样率</a:t>
-            </a:r>
-            <a:r>
-              <a:rPr lang="en-US" altLang="zh-CN" dirty="0" smtClean="0"/>
-              <a:t>10M</a:t>
-            </a:r>
-            <a:r>
-              <a:rPr lang="zh-CN" altLang="en-US" dirty="0" smtClean="0"/>
-              <a:t>、</a:t>
-            </a:r>
-            <a:r>
-              <a:rPr lang="en-US" altLang="zh-CN" dirty="0" smtClean="0"/>
-              <a:t>12-bit</a:t>
-            </a:r>
-            <a:r>
-              <a:rPr lang="zh-CN" altLang="en-US" dirty="0" smtClean="0"/>
-              <a:t>、参考电压</a:t>
-            </a:r>
-            <a:r>
-              <a:rPr lang="en-US" altLang="zh-CN" dirty="0" smtClean="0"/>
-              <a:t>5V</a:t>
-            </a:r>
-          </a:p>
-          <a:p>
-            <a:pPr lvl="1"/>
-            <a:r>
-              <a:rPr lang="zh-CN" altLang="en-US" dirty="0" smtClean="0"/>
-              <a:t>每次</a:t>
-            </a:r>
-            <a:r>
-              <a:rPr lang="en-US" altLang="zh-CN" dirty="0" smtClean="0"/>
-              <a:t>hold</a:t>
-            </a:r>
-            <a:r>
-              <a:rPr lang="zh-CN" altLang="en-US" dirty="0" smtClean="0"/>
-              <a:t>输出采</a:t>
-            </a:r>
-            <a:r>
-              <a:rPr lang="en-US" altLang="zh-CN" dirty="0" smtClean="0"/>
-              <a:t>32</a:t>
-            </a:r>
-            <a:r>
-              <a:rPr lang="zh-CN" altLang="en-US" dirty="0" smtClean="0"/>
-              <a:t>次，然后平均</a:t>
-            </a:r>
-            <a:endParaRPr lang="en-US" altLang="zh-CN" dirty="0" smtClean="0"/>
-          </a:p>
-          <a:p>
-            <a:r>
-              <a:rPr lang="zh-CN" altLang="en-US" dirty="0" smtClean="0"/>
-              <a:t>电子学测量结果</a:t>
-            </a:r>
-            <a:endParaRPr lang="zh-CN" altLang="en-US" dirty="0"/>
-          </a:p>
-        </p:txBody>
-      </p:sp>
+      <mc:AlternateContent xmlns:mc="http://schemas.openxmlformats.org/markup-compatibility/2006">
+        <mc:Choice xmlns:a14="http://schemas.microsoft.com/office/drawing/2010/main" Requires="a14">
+          <p:sp>
+            <p:nvSpPr>
+              <p:cNvPr id="3" name="内容占位符 2"/>
+              <p:cNvSpPr>
+                <a:spLocks noGrp="1"/>
+              </p:cNvSpPr>
+              <p:nvPr>
+                <p:ph idx="1"/>
+              </p:nvPr>
+            </p:nvSpPr>
+            <p:spPr/>
+            <p:txBody>
+              <a:bodyPr/>
+              <a:lstStyle/>
+              <a:p>
+                <a:r>
+                  <a:rPr lang="en-US" altLang="zh-CN" dirty="0" smtClean="0"/>
+                  <a:t>ADC</a:t>
+                </a:r>
+                <a:r>
+                  <a:rPr lang="zh-CN" altLang="en-US" dirty="0" smtClean="0"/>
+                  <a:t>：</a:t>
+                </a:r>
+                <a:endParaRPr lang="en-US" altLang="zh-CN" dirty="0" smtClean="0"/>
+              </a:p>
+              <a:p>
+                <a:pPr lvl="1"/>
+                <a:r>
+                  <a:rPr lang="zh-CN" altLang="en-US" sz="2400" dirty="0" smtClean="0"/>
+                  <a:t>采样率</a:t>
+                </a:r>
+                <a:r>
+                  <a:rPr lang="en-US" altLang="zh-CN" sz="2400" dirty="0" smtClean="0"/>
+                  <a:t>10M</a:t>
+                </a:r>
+                <a:r>
+                  <a:rPr lang="zh-CN" altLang="en-US" sz="2400" dirty="0" smtClean="0"/>
+                  <a:t>、</a:t>
+                </a:r>
+                <a:r>
+                  <a:rPr lang="en-US" altLang="zh-CN" sz="2400" dirty="0" smtClean="0"/>
+                  <a:t>12-bit</a:t>
+                </a:r>
+                <a:r>
+                  <a:rPr lang="zh-CN" altLang="en-US" sz="2400" dirty="0" smtClean="0"/>
+                  <a:t>、参考电压</a:t>
+                </a:r>
+                <a:r>
+                  <a:rPr lang="en-US" altLang="zh-CN" sz="2400" dirty="0" smtClean="0"/>
+                  <a:t>5V</a:t>
+                </a:r>
+              </a:p>
+              <a:p>
+                <a:pPr lvl="1"/>
+                <a:r>
+                  <a:rPr lang="zh-CN" altLang="en-US" sz="2400" dirty="0"/>
+                  <a:t>一个</a:t>
+                </a:r>
+                <a:r>
+                  <a:rPr lang="en-US" altLang="zh-CN" sz="2400" dirty="0"/>
+                  <a:t>ADC</a:t>
+                </a:r>
+                <a:r>
+                  <a:rPr lang="zh-CN" altLang="en-US" sz="2400" dirty="0"/>
+                  <a:t>码值对应</a:t>
+                </a:r>
+                <a14:m>
+                  <m:oMath xmlns:m="http://schemas.openxmlformats.org/officeDocument/2006/math">
+                    <m:f>
+                      <m:fPr>
+                        <m:ctrlPr>
+                          <a:rPr lang="en-US" altLang="zh-CN" sz="2400" i="1">
+                            <a:latin typeface="Cambria Math" panose="02040503050406030204" pitchFamily="18" charset="0"/>
+                          </a:rPr>
+                        </m:ctrlPr>
+                      </m:fPr>
+                      <m:num>
+                        <m:r>
+                          <a:rPr lang="en-US" altLang="zh-CN" sz="2400" i="1">
+                            <a:latin typeface="Cambria Math" panose="02040503050406030204" pitchFamily="18" charset="0"/>
+                          </a:rPr>
+                          <m:t>5</m:t>
+                        </m:r>
+                        <m:r>
+                          <a:rPr lang="en-US" altLang="zh-CN" sz="2400" i="1">
+                            <a:latin typeface="Cambria Math" panose="02040503050406030204" pitchFamily="18" charset="0"/>
+                          </a:rPr>
+                          <m:t>𝑉</m:t>
+                        </m:r>
+                      </m:num>
+                      <m:den>
+                        <m:r>
+                          <a:rPr lang="en-US" altLang="zh-CN" sz="2400" i="1">
+                            <a:latin typeface="Cambria Math" panose="02040503050406030204" pitchFamily="18" charset="0"/>
+                          </a:rPr>
+                          <m:t>4095</m:t>
+                        </m:r>
+                      </m:den>
+                    </m:f>
+                    <m:r>
+                      <a:rPr lang="en-US" altLang="zh-CN" sz="2400" i="1">
+                        <a:latin typeface="Cambria Math" panose="02040503050406030204" pitchFamily="18" charset="0"/>
+                      </a:rPr>
+                      <m:t>=1.221</m:t>
+                    </m:r>
+                    <m:r>
+                      <a:rPr lang="en-US" altLang="zh-CN" sz="2400" i="1">
+                        <a:latin typeface="Cambria Math" panose="02040503050406030204" pitchFamily="18" charset="0"/>
+                      </a:rPr>
+                      <m:t>𝑚𝑉</m:t>
+                    </m:r>
+                    <m:r>
+                      <a:rPr lang="en-US" altLang="zh-CN" sz="2400" i="1">
+                        <a:latin typeface="Cambria Math" panose="02040503050406030204" pitchFamily="18" charset="0"/>
+                      </a:rPr>
+                      <m:t> </m:t>
+                    </m:r>
+                  </m:oMath>
+                </a14:m>
+                <a:endParaRPr lang="en-US" altLang="zh-CN" sz="2400" dirty="0" smtClean="0"/>
+              </a:p>
+              <a:p>
+                <a:pPr lvl="1"/>
+                <a:r>
+                  <a:rPr lang="zh-CN" altLang="en-US" sz="2400" dirty="0" smtClean="0"/>
+                  <a:t>每次</a:t>
+                </a:r>
+                <a:r>
+                  <a:rPr lang="en-US" altLang="zh-CN" sz="2400" dirty="0" smtClean="0"/>
+                  <a:t>hold</a:t>
+                </a:r>
+                <a:r>
+                  <a:rPr lang="zh-CN" altLang="en-US" sz="2400" dirty="0" smtClean="0"/>
+                  <a:t>输出采</a:t>
+                </a:r>
+                <a:r>
+                  <a:rPr lang="en-US" altLang="zh-CN" sz="2400" dirty="0" smtClean="0"/>
+                  <a:t>32</a:t>
+                </a:r>
+                <a:r>
+                  <a:rPr lang="zh-CN" altLang="en-US" sz="2400" dirty="0" smtClean="0"/>
+                  <a:t>次，然后平均</a:t>
+                </a:r>
+                <a:endParaRPr lang="en-US" altLang="zh-CN" sz="2400" dirty="0" smtClean="0"/>
+              </a:p>
+              <a:p>
+                <a:r>
+                  <a:rPr lang="zh-CN" altLang="en-US" dirty="0" smtClean="0"/>
+                  <a:t>电子学测量结果</a:t>
+                </a:r>
+                <a:endParaRPr lang="zh-CN" altLang="en-US" dirty="0"/>
+              </a:p>
+            </p:txBody>
+          </p:sp>
+        </mc:Choice>
+        <mc:Fallback>
+          <p:sp>
+            <p:nvSpPr>
+              <p:cNvPr id="3" name="内容占位符 2"/>
+              <p:cNvSpPr>
+                <a:spLocks noGrp="1" noRot="1" noChangeAspect="1" noMove="1" noResize="1" noEditPoints="1" noAdjustHandles="1" noChangeArrowheads="1" noChangeShapeType="1" noTextEdit="1"/>
+              </p:cNvSpPr>
+              <p:nvPr>
+                <p:ph idx="1"/>
+              </p:nvPr>
+            </p:nvSpPr>
+            <p:spPr>
+              <a:blipFill rotWithShape="0">
+                <a:blip r:embed="rId2"/>
+                <a:stretch>
+                  <a:fillRect l="-2989" t="-3377"/>
+                </a:stretch>
+              </a:blipFill>
+            </p:spPr>
+            <p:txBody>
+              <a:bodyPr/>
+              <a:lstStyle/>
+              <a:p>
+                <a:r>
+                  <a:rPr lang="zh-CN" altLang="en-US">
+                    <a:noFill/>
+                  </a:rPr>
+                  <a:t> </a:t>
+                </a:r>
+              </a:p>
+            </p:txBody>
+          </p:sp>
+        </mc:Fallback>
+      </mc:AlternateContent>
       <p:pic>
         <p:nvPicPr>
           <p:cNvPr id="4" name="图片 3"/>
-          <p:cNvPicPr>
-            <a:picLocks noChangeAspect="1"/>
-          </p:cNvPicPr>
-          <p:nvPr/>
-        </p:nvPicPr>
-        <p:blipFill>
-          <a:blip r:embed="rId2">
-            <a:extLst>
-              <a:ext uri="{28A0092B-C50C-407E-A947-70E740481C1C}">
-                <a14:useLocalDpi xmlns:a14="http://schemas.microsoft.com/office/drawing/2010/main" val="0"/>
-              </a:ext>
-            </a:extLst>
-          </a:blip>
-          <a:stretch>
-            <a:fillRect/>
-          </a:stretch>
-        </p:blipFill>
-        <p:spPr>
-          <a:xfrm>
-            <a:off x="140534" y="3522244"/>
-            <a:ext cx="4340670" cy="3240000"/>
-          </a:xfrm>
-          <a:prstGeom prst="rect">
-            <a:avLst/>
-          </a:prstGeom>
-        </p:spPr>
-      </p:pic>
-      <p:pic>
-        <p:nvPicPr>
-          <p:cNvPr id="5" name="图片 4"/>
           <p:cNvPicPr>
             <a:picLocks noChangeAspect="1"/>
           </p:cNvPicPr>
@@ -7998,7 +9198,37 @@
         </p:blipFill>
         <p:spPr>
           <a:xfrm>
-            <a:off x="4669504" y="3415977"/>
+            <a:off x="0" y="3618000"/>
+            <a:ext cx="4340670" cy="3240000"/>
+          </a:xfrm>
+          <a:prstGeom prst="rect">
+            <a:avLst/>
+          </a:prstGeom>
+        </p:spPr>
+      </p:pic>
+      <p:pic>
+        <p:nvPicPr>
+          <p:cNvPr id="5" name="图片 4"/>
+          <p:cNvPicPr>
+            <a:picLocks noChangeAspect="1"/>
+          </p:cNvPicPr>
+          <p:nvPr/>
+        </p:nvPicPr>
+        <p:blipFill>
+          <a:blip r:embed="rId4">
+            <a:extLst>
+              <a:ext uri="{28A0092B-C50C-407E-A947-70E740481C1C}">
+                <a14:useLocalDpi xmlns:a14="http://schemas.microsoft.com/office/drawing/2010/main" val="0"/>
+              </a:ext>
+            </a:extLst>
+          </a:blip>
+          <a:stretch>
+            <a:fillRect/>
+          </a:stretch>
+        </p:blipFill>
+        <p:spPr>
+          <a:xfrm>
+            <a:off x="4594859" y="3618000"/>
             <a:ext cx="4320000" cy="3240000"/>
           </a:xfrm>
           <a:prstGeom prst="rect">
@@ -8080,7 +9310,15 @@
           <a:p>
             <a:r>
               <a:rPr lang="zh-CN" altLang="en-US" dirty="0" smtClean="0"/>
-              <a:t>分段线性拟合</a:t>
+              <a:t>线性拟合</a:t>
+            </a:r>
+            <a:endParaRPr lang="en-US" altLang="zh-CN" dirty="0" smtClean="0"/>
+          </a:p>
+          <a:p>
+            <a:pPr lvl="1"/>
+            <a:r>
+              <a:rPr lang="zh-CN" altLang="en-US" dirty="0" smtClean="0"/>
+              <a:t>非线性部分还需精细测量来修正</a:t>
             </a:r>
             <a:endParaRPr lang="zh-CN" altLang="en-US" dirty="0"/>
           </a:p>
@@ -8118,13 +9356,13 @@
       </p:pic>
       <p:pic>
         <p:nvPicPr>
-          <p:cNvPr id="4" name="图片 3"/>
+          <p:cNvPr id="6" name="图片 5"/>
           <p:cNvPicPr>
             <a:picLocks noChangeAspect="1"/>
           </p:cNvPicPr>
           <p:nvPr/>
         </p:nvPicPr>
-        <p:blipFill>
+        <p:blipFill rotWithShape="1">
           <a:blip r:embed="rId3">
             <a:extLst>
               <a:ext uri="{28A0092B-C50C-407E-A947-70E740481C1C}">
@@ -8132,20 +9370,65 @@
               </a:ext>
             </a:extLst>
           </a:blip>
-          <a:stretch>
-            <a:fillRect/>
-          </a:stretch>
+          <a:srcRect r="5763"/>
+          <a:stretch/>
         </p:blipFill>
         <p:spPr>
           <a:xfrm>
-            <a:off x="4389719" y="2417793"/>
-            <a:ext cx="4800000" cy="3600000"/>
+            <a:off x="4478949" y="2352835"/>
+            <a:ext cx="4523383" cy="3600000"/>
           </a:xfrm>
           <a:prstGeom prst="rect">
             <a:avLst/>
           </a:prstGeom>
         </p:spPr>
       </p:pic>
+      <p:sp>
+        <p:nvSpPr>
+          <p:cNvPr id="7" name="椭圆 6"/>
+          <p:cNvSpPr/>
+          <p:nvPr/>
+        </p:nvSpPr>
+        <p:spPr>
+          <a:xfrm>
+            <a:off x="7740203" y="4649273"/>
+            <a:ext cx="1262129" cy="746975"/>
+          </a:xfrm>
+          <a:prstGeom prst="ellipse">
+            <a:avLst/>
+          </a:prstGeom>
+          <a:noFill/>
+          <a:ln w="38100">
+            <a:solidFill>
+              <a:srgbClr val="FF0000"/>
+            </a:solidFill>
+          </a:ln>
+        </p:spPr>
+        <p:style>
+          <a:lnRef idx="2">
+            <a:schemeClr val="accent1">
+              <a:shade val="50000"/>
+            </a:schemeClr>
+          </a:lnRef>
+          <a:fillRef idx="1">
+            <a:schemeClr val="accent1"/>
+          </a:fillRef>
+          <a:effectRef idx="0">
+            <a:schemeClr val="accent1"/>
+          </a:effectRef>
+          <a:fontRef idx="minor">
+            <a:schemeClr val="lt1"/>
+          </a:fontRef>
+        </p:style>
+        <p:txBody>
+          <a:bodyPr rtlCol="0" anchor="ctr"/>
+          <a:lstStyle/>
+          <a:p>
+            <a:pPr algn="ctr"/>
+            <a:endParaRPr lang="zh-CN" altLang="en-US"/>
+          </a:p>
+        </p:txBody>
+      </p:sp>
     </p:spTree>
     <p:extLst>
       <p:ext uri="{BB962C8B-B14F-4D97-AF65-F5344CB8AC3E}">
@@ -8199,25 +9482,236 @@
           </a:p>
         </p:txBody>
       </p:sp>
-      <p:sp>
-        <p:nvSpPr>
-          <p:cNvPr id="3" name="内容占位符 2"/>
-          <p:cNvSpPr>
-            <a:spLocks noGrp="1"/>
-          </p:cNvSpPr>
-          <p:nvPr>
-            <p:ph idx="1"/>
-          </p:nvPr>
-        </p:nvSpPr>
-        <p:spPr/>
-        <p:txBody>
-          <a:bodyPr/>
-          <a:lstStyle/>
-          <a:p>
-            <a:endParaRPr lang="zh-CN" altLang="en-US"/>
-          </a:p>
-        </p:txBody>
-      </p:sp>
+      <mc:AlternateContent xmlns:mc="http://schemas.openxmlformats.org/markup-compatibility/2006">
+        <mc:Choice xmlns:a14="http://schemas.microsoft.com/office/drawing/2010/main" Requires="a14">
+          <p:sp>
+            <p:nvSpPr>
+              <p:cNvPr id="3" name="内容占位符 2"/>
+              <p:cNvSpPr>
+                <a:spLocks noGrp="1"/>
+              </p:cNvSpPr>
+              <p:nvPr>
+                <p:ph idx="1"/>
+              </p:nvPr>
+            </p:nvSpPr>
+            <p:spPr/>
+            <p:txBody>
+              <a:bodyPr/>
+              <a:lstStyle/>
+              <a:p>
+                <a:r>
+                  <a:rPr lang="zh-CN" altLang="en-US" dirty="0" smtClean="0"/>
+                  <a:t>接上探测器，不开</a:t>
+                </a:r>
+                <a:r>
+                  <a:rPr lang="en-US" altLang="zh-CN" dirty="0" smtClean="0"/>
+                  <a:t>X</a:t>
+                </a:r>
+                <a:r>
+                  <a:rPr lang="zh-CN" altLang="en-US" dirty="0" smtClean="0"/>
+                  <a:t>光机，用</a:t>
+                </a:r>
+                <a:r>
+                  <a:rPr lang="en-US" altLang="zh-CN" dirty="0" smtClean="0"/>
+                  <a:t>ADC</a:t>
+                </a:r>
+                <a:r>
+                  <a:rPr lang="zh-CN" altLang="en-US" dirty="0" smtClean="0"/>
+                  <a:t>采</a:t>
+                </a:r>
+                <a:r>
+                  <a:rPr lang="en-US" altLang="zh-CN" dirty="0" smtClean="0"/>
+                  <a:t>Hold</a:t>
+                </a:r>
+                <a:r>
+                  <a:rPr lang="zh-CN" altLang="en-US" dirty="0" smtClean="0"/>
+                  <a:t>的输出</a:t>
+                </a:r>
+                <a:endParaRPr lang="en-US" altLang="zh-CN" dirty="0" smtClean="0"/>
+              </a:p>
+              <a:p>
+                <a:pPr lvl="1"/>
+                <a:r>
+                  <a:rPr lang="zh-CN" altLang="en-US" dirty="0"/>
+                  <a:t>一</a:t>
+                </a:r>
+                <a:r>
+                  <a:rPr lang="zh-CN" altLang="en-US" dirty="0" smtClean="0"/>
+                  <a:t>个</a:t>
+                </a:r>
+                <a:r>
+                  <a:rPr lang="en-US" altLang="zh-CN" dirty="0" smtClean="0"/>
+                  <a:t>ADC</a:t>
+                </a:r>
+                <a:r>
+                  <a:rPr lang="zh-CN" altLang="en-US" dirty="0" smtClean="0"/>
+                  <a:t>码值对应</a:t>
+                </a:r>
+                <a14:m>
+                  <m:oMath xmlns:m="http://schemas.openxmlformats.org/officeDocument/2006/math">
+                    <m:f>
+                      <m:fPr>
+                        <m:ctrlPr>
+                          <a:rPr lang="en-US" altLang="zh-CN" i="1" smtClean="0">
+                            <a:latin typeface="Cambria Math" panose="02040503050406030204" pitchFamily="18" charset="0"/>
+                          </a:rPr>
+                        </m:ctrlPr>
+                      </m:fPr>
+                      <m:num>
+                        <m:r>
+                          <a:rPr lang="en-US" altLang="zh-CN" b="0" i="1" smtClean="0">
+                            <a:latin typeface="Cambria Math" panose="02040503050406030204" pitchFamily="18" charset="0"/>
+                          </a:rPr>
+                          <m:t>5</m:t>
+                        </m:r>
+                        <m:r>
+                          <a:rPr lang="en-US" altLang="zh-CN" b="0" i="1" smtClean="0">
+                            <a:latin typeface="Cambria Math" panose="02040503050406030204" pitchFamily="18" charset="0"/>
+                          </a:rPr>
+                          <m:t>𝑉</m:t>
+                        </m:r>
+                      </m:num>
+                      <m:den>
+                        <m:r>
+                          <a:rPr lang="en-US" altLang="zh-CN" b="0" i="1" smtClean="0">
+                            <a:latin typeface="Cambria Math" panose="02040503050406030204" pitchFamily="18" charset="0"/>
+                          </a:rPr>
+                          <m:t>4095</m:t>
+                        </m:r>
+                      </m:den>
+                    </m:f>
+                    <m:r>
+                      <a:rPr lang="en-US" altLang="zh-CN" b="0" i="1" smtClean="0">
+                        <a:latin typeface="Cambria Math" panose="02040503050406030204" pitchFamily="18" charset="0"/>
+                      </a:rPr>
+                      <m:t>=1.221</m:t>
+                    </m:r>
+                    <m:r>
+                      <a:rPr lang="en-US" altLang="zh-CN" b="0" i="1" smtClean="0">
+                        <a:latin typeface="Cambria Math" panose="02040503050406030204" pitchFamily="18" charset="0"/>
+                      </a:rPr>
+                      <m:t>𝑚𝑉</m:t>
+                    </m:r>
+                    <m:r>
+                      <a:rPr lang="en-US" altLang="zh-CN" b="0" i="1" smtClean="0">
+                        <a:latin typeface="Cambria Math" panose="02040503050406030204" pitchFamily="18" charset="0"/>
+                      </a:rPr>
+                      <m:t> ~ 0.556</m:t>
+                    </m:r>
+                    <m:r>
+                      <a:rPr lang="en-US" altLang="zh-CN" b="0" i="1" smtClean="0">
+                        <a:latin typeface="Cambria Math" panose="02040503050406030204" pitchFamily="18" charset="0"/>
+                      </a:rPr>
+                      <m:t>𝑓𝐶</m:t>
+                    </m:r>
+                  </m:oMath>
+                </a14:m>
+                <a:endParaRPr lang="en-US" altLang="zh-CN" b="0" i="1" dirty="0" smtClean="0">
+                  <a:latin typeface="Cambria Math" panose="02040503050406030204" pitchFamily="18" charset="0"/>
+                </a:endParaRPr>
+              </a:p>
+              <a:p>
+                <a:pPr lvl="1"/>
+                <a:r>
+                  <a:rPr lang="zh-CN" altLang="en-US" dirty="0"/>
+                  <a:t>基线电压</a:t>
+                </a:r>
+                <a14:m>
+                  <m:oMath xmlns:m="http://schemas.openxmlformats.org/officeDocument/2006/math">
+                    <m:r>
+                      <a:rPr lang="zh-CN" altLang="en-US" b="0" i="1" smtClean="0">
+                        <a:latin typeface="Cambria Math" panose="02040503050406030204" pitchFamily="18" charset="0"/>
+                      </a:rPr>
+                      <m:t>：</m:t>
+                    </m:r>
+                    <m:r>
+                      <a:rPr lang="en-US" altLang="zh-CN" b="0" i="0" smtClean="0">
+                        <a:latin typeface="Cambria Math" panose="02040503050406030204" pitchFamily="18" charset="0"/>
+                      </a:rPr>
+                      <m:t>2.1465</m:t>
+                    </m:r>
+                    <m:r>
+                      <m:rPr>
+                        <m:sty m:val="p"/>
+                      </m:rPr>
+                      <a:rPr lang="en-US" altLang="zh-CN" b="0" i="0" smtClean="0">
+                        <a:latin typeface="Cambria Math" panose="02040503050406030204" pitchFamily="18" charset="0"/>
+                      </a:rPr>
+                      <m:t>V</m:t>
+                    </m:r>
+                  </m:oMath>
+                </a14:m>
+                <a:endParaRPr lang="en-US" altLang="zh-CN" dirty="0" smtClean="0"/>
+              </a:p>
+              <a:p>
+                <a:endParaRPr lang="zh-CN" altLang="en-US" dirty="0"/>
+              </a:p>
+            </p:txBody>
+          </p:sp>
+        </mc:Choice>
+        <mc:Fallback>
+          <p:sp>
+            <p:nvSpPr>
+              <p:cNvPr id="3" name="内容占位符 2"/>
+              <p:cNvSpPr>
+                <a:spLocks noGrp="1" noRot="1" noChangeAspect="1" noMove="1" noResize="1" noEditPoints="1" noAdjustHandles="1" noChangeArrowheads="1" noChangeShapeType="1" noTextEdit="1"/>
+              </p:cNvSpPr>
+              <p:nvPr>
+                <p:ph idx="1"/>
+              </p:nvPr>
+            </p:nvSpPr>
+            <p:spPr>
+              <a:blipFill rotWithShape="0">
+                <a:blip r:embed="rId2"/>
+                <a:stretch>
+                  <a:fillRect l="-2989" t="-3377" r="-81"/>
+                </a:stretch>
+              </a:blipFill>
+            </p:spPr>
+            <p:txBody>
+              <a:bodyPr/>
+              <a:lstStyle/>
+              <a:p>
+                <a:r>
+                  <a:rPr lang="zh-CN" altLang="en-US">
+                    <a:noFill/>
+                  </a:rPr>
+                  <a:t> </a:t>
+                </a:r>
+              </a:p>
+            </p:txBody>
+          </p:sp>
+        </mc:Fallback>
+      </mc:AlternateContent>
+      <p:pic>
+        <p:nvPicPr>
+          <p:cNvPr id="4" name="图片 3"/>
+          <p:cNvPicPr>
+            <a:picLocks noChangeAspect="1"/>
+          </p:cNvPicPr>
+          <p:nvPr/>
+        </p:nvPicPr>
+        <p:blipFill rotWithShape="1">
+          <a:blip r:embed="rId3">
+            <a:extLst>
+              <a:ext uri="{28A0092B-C50C-407E-A947-70E740481C1C}">
+                <a14:useLocalDpi xmlns:a14="http://schemas.microsoft.com/office/drawing/2010/main" val="0"/>
+              </a:ext>
+            </a:extLst>
+          </a:blip>
+          <a:srcRect l="4869" t="2616" r="6278"/>
+          <a:stretch/>
+        </p:blipFill>
+        <p:spPr>
+          <a:xfrm>
+            <a:off x="4404575" y="2781836"/>
+            <a:ext cx="4739425" cy="3895859"/>
+          </a:xfrm>
+          <a:prstGeom prst="rect">
+            <a:avLst/>
+          </a:prstGeom>
+        </p:spPr>
+      </p:pic>
     </p:spTree>
     <p:extLst>
       <p:ext uri="{BB962C8B-B14F-4D97-AF65-F5344CB8AC3E}">
@@ -8286,10 +9780,213 @@
           <a:bodyPr/>
           <a:lstStyle/>
           <a:p>
-            <a:endParaRPr lang="zh-CN" altLang="en-US"/>
+            <a:r>
+              <a:rPr lang="en-US" altLang="zh-CN" dirty="0" smtClean="0"/>
+              <a:t>X</a:t>
+            </a:r>
+            <a:r>
+              <a:rPr lang="zh-CN" altLang="en-US" dirty="0" smtClean="0"/>
+              <a:t>光机准直孔对准</a:t>
+            </a:r>
+            <a:r>
+              <a:rPr lang="en-US" altLang="zh-CN" dirty="0" smtClean="0"/>
+              <a:t>Pad36</a:t>
+            </a:r>
+          </a:p>
+          <a:p>
+            <a:pPr lvl="1"/>
+            <a:r>
+              <a:rPr lang="en-US" altLang="zh-CN" dirty="0" smtClean="0"/>
+              <a:t>2</a:t>
+            </a:r>
+            <a:r>
+              <a:rPr lang="en-US" altLang="zh-CN" dirty="0" smtClean="0"/>
+              <a:t>mm</a:t>
+            </a:r>
+            <a:r>
+              <a:rPr lang="zh-CN" altLang="en-US" dirty="0" smtClean="0"/>
+              <a:t>准直孔</a:t>
+            </a:r>
+            <a:endParaRPr lang="en-US" altLang="zh-CN" dirty="0" smtClean="0"/>
+          </a:p>
+          <a:p>
+            <a:pPr lvl="1"/>
+            <a:r>
+              <a:rPr lang="zh-CN" altLang="en-US" u="sng" dirty="0" smtClean="0"/>
+              <a:t>测量时间</a:t>
+            </a:r>
+            <a:r>
+              <a:rPr lang="en-US" altLang="zh-CN" u="sng" dirty="0" smtClean="0"/>
+              <a:t>50min</a:t>
+            </a:r>
+            <a:endParaRPr lang="zh-CN" altLang="en-US" u="sng" dirty="0"/>
           </a:p>
         </p:txBody>
       </p:sp>
+      <p:grpSp>
+        <p:nvGrpSpPr>
+          <p:cNvPr id="6" name="组合 5"/>
+          <p:cNvGrpSpPr/>
+          <p:nvPr/>
+        </p:nvGrpSpPr>
+        <p:grpSpPr>
+          <a:xfrm>
+            <a:off x="6396349" y="286604"/>
+            <a:ext cx="2296297" cy="2263582"/>
+            <a:chOff x="6690147" y="107487"/>
+            <a:chExt cx="2296297" cy="2263582"/>
+          </a:xfrm>
+        </p:grpSpPr>
+        <p:pic>
+          <p:nvPicPr>
+            <p:cNvPr id="4" name="图片 3"/>
+            <p:cNvPicPr>
+              <a:picLocks noChangeAspect="1"/>
+            </p:cNvPicPr>
+            <p:nvPr/>
+          </p:nvPicPr>
+          <p:blipFill>
+            <a:blip r:embed="rId2"/>
+            <a:stretch>
+              <a:fillRect/>
+            </a:stretch>
+          </p:blipFill>
+          <p:spPr>
+            <a:xfrm>
+              <a:off x="6690147" y="107487"/>
+              <a:ext cx="2296297" cy="2263582"/>
+            </a:xfrm>
+            <a:prstGeom prst="rect">
+              <a:avLst/>
+            </a:prstGeom>
+          </p:spPr>
+        </p:pic>
+        <p:sp>
+          <p:nvSpPr>
+            <p:cNvPr id="5" name="乘号 4"/>
+            <p:cNvSpPr/>
+            <p:nvPr/>
+          </p:nvSpPr>
+          <p:spPr>
+            <a:xfrm>
+              <a:off x="7400844" y="881890"/>
+              <a:ext cx="874904" cy="714777"/>
+            </a:xfrm>
+            <a:prstGeom prst="mathMultiply">
+              <a:avLst/>
+            </a:prstGeom>
+            <a:noFill/>
+            <a:ln>
+              <a:solidFill>
+                <a:srgbClr val="FF0000"/>
+              </a:solidFill>
+            </a:ln>
+          </p:spPr>
+          <p:style>
+            <a:lnRef idx="2">
+              <a:schemeClr val="accent1">
+                <a:shade val="50000"/>
+              </a:schemeClr>
+            </a:lnRef>
+            <a:fillRef idx="1">
+              <a:schemeClr val="accent1"/>
+            </a:fillRef>
+            <a:effectRef idx="0">
+              <a:schemeClr val="accent1"/>
+            </a:effectRef>
+            <a:fontRef idx="minor">
+              <a:schemeClr val="lt1"/>
+            </a:fontRef>
+          </p:style>
+          <p:txBody>
+            <a:bodyPr rtlCol="0" anchor="ctr"/>
+            <a:lstStyle/>
+            <a:p>
+              <a:pPr algn="ctr"/>
+              <a:endParaRPr lang="zh-CN" altLang="en-US"/>
+            </a:p>
+          </p:txBody>
+        </p:sp>
+      </p:grpSp>
+      <p:grpSp>
+        <p:nvGrpSpPr>
+          <p:cNvPr id="9" name="组合 8"/>
+          <p:cNvGrpSpPr/>
+          <p:nvPr/>
+        </p:nvGrpSpPr>
+        <p:grpSpPr>
+          <a:xfrm>
+            <a:off x="1134871" y="2550186"/>
+            <a:ext cx="5972175" cy="4276725"/>
+            <a:chOff x="1134871" y="2295189"/>
+            <a:chExt cx="5972175" cy="4276725"/>
+          </a:xfrm>
+        </p:grpSpPr>
+        <p:pic>
+          <p:nvPicPr>
+            <p:cNvPr id="7" name="图片 6"/>
+            <p:cNvPicPr>
+              <a:picLocks noChangeAspect="1"/>
+            </p:cNvPicPr>
+            <p:nvPr/>
+          </p:nvPicPr>
+          <p:blipFill>
+            <a:blip r:embed="rId3">
+              <a:extLst>
+                <a:ext uri="{28A0092B-C50C-407E-A947-70E740481C1C}">
+                  <a14:useLocalDpi xmlns:a14="http://schemas.microsoft.com/office/drawing/2010/main" val="0"/>
+                </a:ext>
+              </a:extLst>
+            </a:blip>
+            <a:stretch>
+              <a:fillRect/>
+            </a:stretch>
+          </p:blipFill>
+          <p:spPr>
+            <a:xfrm>
+              <a:off x="1134871" y="2295189"/>
+              <a:ext cx="5972175" cy="4276725"/>
+            </a:xfrm>
+            <a:prstGeom prst="rect">
+              <a:avLst/>
+            </a:prstGeom>
+          </p:spPr>
+        </p:pic>
+        <p:sp>
+          <p:nvSpPr>
+            <p:cNvPr id="8" name="文本框 7"/>
+            <p:cNvSpPr txBox="1"/>
+            <p:nvPr/>
+          </p:nvSpPr>
+          <p:spPr>
+            <a:xfrm>
+              <a:off x="2241469" y="3337578"/>
+              <a:ext cx="2097049" cy="369332"/>
+            </a:xfrm>
+            <a:prstGeom prst="rect">
+              <a:avLst/>
+            </a:prstGeom>
+            <a:noFill/>
+          </p:spPr>
+          <p:txBody>
+            <a:bodyPr wrap="none" rtlCol="0">
+              <a:spAutoFit/>
+            </a:bodyPr>
+            <a:lstStyle/>
+            <a:p>
+              <a:r>
+                <a:rPr lang="zh-CN" altLang="en-US" dirty="0" smtClean="0"/>
+                <a:t>计数率：</a:t>
+              </a:r>
+              <a:r>
+                <a:rPr lang="en-US" altLang="zh-CN" dirty="0" smtClean="0"/>
+                <a:t>12542cpm</a:t>
+              </a:r>
+              <a:endParaRPr lang="zh-CN" altLang="en-US" dirty="0"/>
+            </a:p>
+          </p:txBody>
+        </p:sp>
+      </p:grpSp>
     </p:spTree>
     <p:extLst>
       <p:ext uri="{BB962C8B-B14F-4D97-AF65-F5344CB8AC3E}">
@@ -8337,7 +10034,7 @@
           <a:p>
             <a:r>
               <a:rPr lang="zh-CN" altLang="en-US" dirty="0" smtClean="0"/>
-              <a:t>击中</a:t>
+              <a:t>周围</a:t>
             </a:r>
             <a:r>
               <a:rPr lang="en-US" altLang="zh-CN" dirty="0" smtClean="0"/>
@@ -8345,7 +10042,7 @@
             </a:r>
             <a:r>
               <a:rPr lang="zh-CN" altLang="en-US" dirty="0" smtClean="0"/>
-              <a:t>周围能谱</a:t>
+              <a:t>的能谱</a:t>
             </a:r>
             <a:endParaRPr lang="zh-CN" altLang="en-US" dirty="0"/>
           </a:p>
@@ -8361,12 +10058,557 @@
             <p:ph idx="1"/>
           </p:nvPr>
         </p:nvSpPr>
-        <p:spPr/>
+        <p:spPr>
+          <a:xfrm>
+            <a:off x="822959" y="1175395"/>
+            <a:ext cx="5495557" cy="4693699"/>
+          </a:xfrm>
+        </p:spPr>
         <p:txBody>
           <a:bodyPr/>
           <a:lstStyle/>
           <a:p>
-            <a:endParaRPr lang="zh-CN" altLang="en-US"/>
+            <a:r>
+              <a:rPr lang="en-US" altLang="zh-CN" dirty="0"/>
+              <a:t>X</a:t>
+            </a:r>
+            <a:r>
+              <a:rPr lang="zh-CN" altLang="en-US" dirty="0"/>
+              <a:t>光机准直孔对准</a:t>
+            </a:r>
+            <a:r>
+              <a:rPr lang="en-US" altLang="zh-CN" dirty="0"/>
+              <a:t>Pad36</a:t>
+            </a:r>
+          </a:p>
+          <a:p>
+            <a:pPr lvl="1"/>
+            <a:r>
+              <a:rPr lang="zh-CN" altLang="en-US" dirty="0" smtClean="0"/>
+              <a:t>测量周围</a:t>
+            </a:r>
+            <a:r>
+              <a:rPr lang="en-US" altLang="zh-CN" dirty="0" smtClean="0"/>
+              <a:t>Pad</a:t>
+            </a:r>
+            <a:r>
+              <a:rPr lang="zh-CN" altLang="en-US" dirty="0" smtClean="0"/>
+              <a:t>，周围</a:t>
+            </a:r>
+            <a:r>
+              <a:rPr lang="en-US" altLang="zh-CN" dirty="0" smtClean="0"/>
+              <a:t>Pad</a:t>
+            </a:r>
+            <a:r>
+              <a:rPr lang="zh-CN" altLang="en-US" dirty="0" smtClean="0"/>
+              <a:t>有比较大的信号</a:t>
+            </a:r>
+            <a:endParaRPr lang="en-US" altLang="zh-CN" dirty="0" smtClean="0"/>
+          </a:p>
+          <a:p>
+            <a:pPr lvl="1"/>
+            <a:r>
+              <a:rPr lang="zh-CN" altLang="en-US" dirty="0" smtClean="0"/>
+              <a:t>计数率低</a:t>
+            </a:r>
+            <a:endParaRPr lang="en-US" altLang="zh-CN" dirty="0"/>
+          </a:p>
+          <a:p>
+            <a:pPr lvl="1"/>
+            <a:endParaRPr lang="en-US" altLang="zh-CN" dirty="0" smtClean="0"/>
+          </a:p>
+        </p:txBody>
+      </p:sp>
+      <p:grpSp>
+        <p:nvGrpSpPr>
+          <p:cNvPr id="27" name="组合 26"/>
+          <p:cNvGrpSpPr/>
+          <p:nvPr/>
+        </p:nvGrpSpPr>
+        <p:grpSpPr>
+          <a:xfrm>
+            <a:off x="5705602" y="0"/>
+            <a:ext cx="3334774" cy="3278984"/>
+            <a:chOff x="5164689" y="944457"/>
+            <a:chExt cx="3334774" cy="3278984"/>
+          </a:xfrm>
+        </p:grpSpPr>
+        <p:pic>
+          <p:nvPicPr>
+            <p:cNvPr id="6" name="图片 5"/>
+            <p:cNvPicPr>
+              <a:picLocks noChangeAspect="1"/>
+            </p:cNvPicPr>
+            <p:nvPr/>
+          </p:nvPicPr>
+          <p:blipFill>
+            <a:blip r:embed="rId2"/>
+            <a:stretch>
+              <a:fillRect/>
+            </a:stretch>
+          </p:blipFill>
+          <p:spPr>
+            <a:xfrm>
+              <a:off x="6203166" y="1458581"/>
+              <a:ext cx="2296297" cy="2263582"/>
+            </a:xfrm>
+            <a:prstGeom prst="rect">
+              <a:avLst/>
+            </a:prstGeom>
+          </p:spPr>
+        </p:pic>
+        <p:pic>
+          <p:nvPicPr>
+            <p:cNvPr id="11" name="图片 10"/>
+            <p:cNvPicPr>
+              <a:picLocks noChangeAspect="1"/>
+            </p:cNvPicPr>
+            <p:nvPr/>
+          </p:nvPicPr>
+          <p:blipFill>
+            <a:blip r:embed="rId3">
+              <a:extLst>
+                <a:ext uri="{28A0092B-C50C-407E-A947-70E740481C1C}">
+                  <a14:useLocalDpi xmlns:a14="http://schemas.microsoft.com/office/drawing/2010/main" val="0"/>
+                </a:ext>
+              </a:extLst>
+            </a:blip>
+            <a:stretch>
+              <a:fillRect/>
+            </a:stretch>
+          </p:blipFill>
+          <p:spPr>
+            <a:xfrm>
+              <a:off x="7237139" y="1764406"/>
+              <a:ext cx="503637" cy="404708"/>
+            </a:xfrm>
+            <a:prstGeom prst="rect">
+              <a:avLst/>
+            </a:prstGeom>
+          </p:spPr>
+        </p:pic>
+        <p:pic>
+          <p:nvPicPr>
+            <p:cNvPr id="12" name="图片 11"/>
+            <p:cNvPicPr>
+              <a:picLocks noChangeAspect="1"/>
+            </p:cNvPicPr>
+            <p:nvPr/>
+          </p:nvPicPr>
+          <p:blipFill>
+            <a:blip r:embed="rId3">
+              <a:extLst>
+                <a:ext uri="{28A0092B-C50C-407E-A947-70E740481C1C}">
+                  <a14:useLocalDpi xmlns:a14="http://schemas.microsoft.com/office/drawing/2010/main" val="0"/>
+                </a:ext>
+              </a:extLst>
+            </a:blip>
+            <a:stretch>
+              <a:fillRect/>
+            </a:stretch>
+          </p:blipFill>
+          <p:spPr>
+            <a:xfrm>
+              <a:off x="7237138" y="3260871"/>
+              <a:ext cx="503637" cy="404708"/>
+            </a:xfrm>
+            <a:prstGeom prst="rect">
+              <a:avLst/>
+            </a:prstGeom>
+          </p:spPr>
+        </p:pic>
+        <p:sp>
+          <p:nvSpPr>
+            <p:cNvPr id="13" name="乘号 12"/>
+            <p:cNvSpPr/>
+            <p:nvPr/>
+          </p:nvSpPr>
+          <p:spPr>
+            <a:xfrm>
+              <a:off x="6913862" y="2243678"/>
+              <a:ext cx="874904" cy="714777"/>
+            </a:xfrm>
+            <a:prstGeom prst="mathMultiply">
+              <a:avLst/>
+            </a:prstGeom>
+            <a:noFill/>
+            <a:ln>
+              <a:solidFill>
+                <a:srgbClr val="FF0000"/>
+              </a:solidFill>
+            </a:ln>
+          </p:spPr>
+          <p:style>
+            <a:lnRef idx="2">
+              <a:schemeClr val="accent1">
+                <a:shade val="50000"/>
+              </a:schemeClr>
+            </a:lnRef>
+            <a:fillRef idx="1">
+              <a:schemeClr val="accent1"/>
+            </a:fillRef>
+            <a:effectRef idx="0">
+              <a:schemeClr val="accent1"/>
+            </a:effectRef>
+            <a:fontRef idx="minor">
+              <a:schemeClr val="lt1"/>
+            </a:fontRef>
+          </p:style>
+          <p:txBody>
+            <a:bodyPr rtlCol="0" anchor="ctr"/>
+            <a:lstStyle/>
+            <a:p>
+              <a:pPr algn="ctr"/>
+              <a:endParaRPr lang="zh-CN" altLang="en-US"/>
+            </a:p>
+          </p:txBody>
+        </p:sp>
+        <p:cxnSp>
+          <p:nvCxnSpPr>
+            <p:cNvPr id="15" name="直接箭头连接符 14"/>
+            <p:cNvCxnSpPr/>
+            <p:nvPr/>
+          </p:nvCxnSpPr>
+          <p:spPr>
+            <a:xfrm>
+              <a:off x="6203166" y="2488777"/>
+              <a:ext cx="1033972" cy="101595"/>
+            </a:xfrm>
+            <a:prstGeom prst="straightConnector1">
+              <a:avLst/>
+            </a:prstGeom>
+            <a:ln w="76200">
+              <a:solidFill>
+                <a:srgbClr val="FF0000"/>
+              </a:solidFill>
+              <a:tailEnd type="triangle"/>
+            </a:ln>
+          </p:spPr>
+          <p:style>
+            <a:lnRef idx="1">
+              <a:schemeClr val="accent1"/>
+            </a:lnRef>
+            <a:fillRef idx="0">
+              <a:schemeClr val="accent1"/>
+            </a:fillRef>
+            <a:effectRef idx="0">
+              <a:schemeClr val="accent1"/>
+            </a:effectRef>
+            <a:fontRef idx="minor">
+              <a:schemeClr val="tx1"/>
+            </a:fontRef>
+          </p:style>
+        </p:cxnSp>
+        <p:sp>
+          <p:nvSpPr>
+            <p:cNvPr id="17" name="文本框 16"/>
+            <p:cNvSpPr txBox="1"/>
+            <p:nvPr/>
+          </p:nvSpPr>
+          <p:spPr>
+            <a:xfrm>
+              <a:off x="5164689" y="2231734"/>
+              <a:ext cx="1107996" cy="369332"/>
+            </a:xfrm>
+            <a:prstGeom prst="rect">
+              <a:avLst/>
+            </a:prstGeom>
+            <a:noFill/>
+          </p:spPr>
+          <p:txBody>
+            <a:bodyPr wrap="none" rtlCol="0">
+              <a:spAutoFit/>
+            </a:bodyPr>
+            <a:lstStyle/>
+            <a:p>
+              <a:r>
+                <a:rPr lang="zh-CN" altLang="en-US" dirty="0" smtClean="0">
+                  <a:solidFill>
+                    <a:srgbClr val="FF0000"/>
+                  </a:solidFill>
+                </a:rPr>
+                <a:t>击中通道</a:t>
+              </a:r>
+              <a:endParaRPr lang="zh-CN" altLang="en-US" dirty="0">
+                <a:solidFill>
+                  <a:srgbClr val="FF0000"/>
+                </a:solidFill>
+              </a:endParaRPr>
+            </a:p>
+          </p:txBody>
+        </p:sp>
+        <p:cxnSp>
+          <p:nvCxnSpPr>
+            <p:cNvPr id="18" name="直接箭头连接符 17"/>
+            <p:cNvCxnSpPr/>
+            <p:nvPr/>
+          </p:nvCxnSpPr>
+          <p:spPr>
+            <a:xfrm>
+              <a:off x="7351314" y="1232777"/>
+              <a:ext cx="23466" cy="494347"/>
+            </a:xfrm>
+            <a:prstGeom prst="straightConnector1">
+              <a:avLst/>
+            </a:prstGeom>
+            <a:ln w="76200">
+              <a:solidFill>
+                <a:srgbClr val="0070C0"/>
+              </a:solidFill>
+              <a:tailEnd type="triangle"/>
+            </a:ln>
+          </p:spPr>
+          <p:style>
+            <a:lnRef idx="1">
+              <a:schemeClr val="accent1"/>
+            </a:lnRef>
+            <a:fillRef idx="0">
+              <a:schemeClr val="accent1"/>
+            </a:fillRef>
+            <a:effectRef idx="0">
+              <a:schemeClr val="accent1"/>
+            </a:effectRef>
+            <a:fontRef idx="minor">
+              <a:schemeClr val="tx1"/>
+            </a:fontRef>
+          </p:style>
+        </p:cxnSp>
+        <p:sp>
+          <p:nvSpPr>
+            <p:cNvPr id="22" name="文本框 21"/>
+            <p:cNvSpPr txBox="1"/>
+            <p:nvPr/>
+          </p:nvSpPr>
+          <p:spPr>
+            <a:xfrm>
+              <a:off x="6683140" y="944457"/>
+              <a:ext cx="1107996" cy="369332"/>
+            </a:xfrm>
+            <a:prstGeom prst="rect">
+              <a:avLst/>
+            </a:prstGeom>
+            <a:noFill/>
+          </p:spPr>
+          <p:txBody>
+            <a:bodyPr wrap="none" rtlCol="0">
+              <a:spAutoFit/>
+            </a:bodyPr>
+            <a:lstStyle/>
+            <a:p>
+              <a:r>
+                <a:rPr lang="zh-CN" altLang="en-US" dirty="0" smtClean="0">
+                  <a:solidFill>
+                    <a:srgbClr val="0070C0"/>
+                  </a:solidFill>
+                </a:rPr>
+                <a:t>测量通道</a:t>
+              </a:r>
+              <a:endParaRPr lang="zh-CN" altLang="en-US" dirty="0">
+                <a:solidFill>
+                  <a:srgbClr val="0070C0"/>
+                </a:solidFill>
+              </a:endParaRPr>
+            </a:p>
+          </p:txBody>
+        </p:sp>
+        <p:cxnSp>
+          <p:nvCxnSpPr>
+            <p:cNvPr id="23" name="直接箭头连接符 22"/>
+            <p:cNvCxnSpPr/>
+            <p:nvPr/>
+          </p:nvCxnSpPr>
+          <p:spPr>
+            <a:xfrm flipH="1" flipV="1">
+              <a:off x="7201036" y="3479433"/>
+              <a:ext cx="114176" cy="432224"/>
+            </a:xfrm>
+            <a:prstGeom prst="straightConnector1">
+              <a:avLst/>
+            </a:prstGeom>
+            <a:ln w="76200">
+              <a:solidFill>
+                <a:srgbClr val="0070C0"/>
+              </a:solidFill>
+              <a:tailEnd type="triangle"/>
+            </a:ln>
+          </p:spPr>
+          <p:style>
+            <a:lnRef idx="1">
+              <a:schemeClr val="accent1"/>
+            </a:lnRef>
+            <a:fillRef idx="0">
+              <a:schemeClr val="accent1"/>
+            </a:fillRef>
+            <a:effectRef idx="0">
+              <a:schemeClr val="accent1"/>
+            </a:effectRef>
+            <a:fontRef idx="minor">
+              <a:schemeClr val="tx1"/>
+            </a:fontRef>
+          </p:style>
+        </p:cxnSp>
+        <p:sp>
+          <p:nvSpPr>
+            <p:cNvPr id="24" name="文本框 23"/>
+            <p:cNvSpPr txBox="1"/>
+            <p:nvPr/>
+          </p:nvSpPr>
+          <p:spPr>
+            <a:xfrm>
+              <a:off x="6934958" y="3854109"/>
+              <a:ext cx="1107996" cy="369332"/>
+            </a:xfrm>
+            <a:prstGeom prst="rect">
+              <a:avLst/>
+            </a:prstGeom>
+            <a:noFill/>
+          </p:spPr>
+          <p:txBody>
+            <a:bodyPr wrap="none" rtlCol="0">
+              <a:spAutoFit/>
+            </a:bodyPr>
+            <a:lstStyle/>
+            <a:p>
+              <a:r>
+                <a:rPr lang="zh-CN" altLang="en-US" dirty="0" smtClean="0">
+                  <a:solidFill>
+                    <a:srgbClr val="0070C0"/>
+                  </a:solidFill>
+                </a:rPr>
+                <a:t>测量通道</a:t>
+              </a:r>
+              <a:endParaRPr lang="zh-CN" altLang="en-US" dirty="0">
+                <a:solidFill>
+                  <a:srgbClr val="0070C0"/>
+                </a:solidFill>
+              </a:endParaRPr>
+            </a:p>
+          </p:txBody>
+        </p:sp>
+      </p:grpSp>
+      <p:pic>
+        <p:nvPicPr>
+          <p:cNvPr id="28" name="图片 27"/>
+          <p:cNvPicPr>
+            <a:picLocks noChangeAspect="1"/>
+          </p:cNvPicPr>
+          <p:nvPr/>
+        </p:nvPicPr>
+        <p:blipFill rotWithShape="1">
+          <a:blip r:embed="rId4">
+            <a:extLst>
+              <a:ext uri="{28A0092B-C50C-407E-A947-70E740481C1C}">
+                <a14:useLocalDpi xmlns:a14="http://schemas.microsoft.com/office/drawing/2010/main" val="0"/>
+              </a:ext>
+            </a:extLst>
+          </a:blip>
+          <a:srcRect r="8589"/>
+          <a:stretch/>
+        </p:blipFill>
+        <p:spPr>
+          <a:xfrm>
+            <a:off x="0" y="3438000"/>
+            <a:ext cx="4168376" cy="3420000"/>
+          </a:xfrm>
+          <a:prstGeom prst="rect">
+            <a:avLst/>
+          </a:prstGeom>
+        </p:spPr>
+      </p:pic>
+      <p:pic>
+        <p:nvPicPr>
+          <p:cNvPr id="29" name="图片 28"/>
+          <p:cNvPicPr>
+            <a:picLocks noChangeAspect="1"/>
+          </p:cNvPicPr>
+          <p:nvPr/>
+        </p:nvPicPr>
+        <p:blipFill rotWithShape="1">
+          <a:blip r:embed="rId5">
+            <a:extLst>
+              <a:ext uri="{28A0092B-C50C-407E-A947-70E740481C1C}">
+                <a14:useLocalDpi xmlns:a14="http://schemas.microsoft.com/office/drawing/2010/main" val="0"/>
+              </a:ext>
+            </a:extLst>
+          </a:blip>
+          <a:srcRect r="7171"/>
+          <a:stretch/>
+        </p:blipFill>
+        <p:spPr>
+          <a:xfrm>
+            <a:off x="4594859" y="3438000"/>
+            <a:ext cx="4232998" cy="3420000"/>
+          </a:xfrm>
+          <a:prstGeom prst="rect">
+            <a:avLst/>
+          </a:prstGeom>
+        </p:spPr>
+      </p:pic>
+      <p:sp>
+        <p:nvSpPr>
+          <p:cNvPr id="32" name="文本框 31"/>
+          <p:cNvSpPr txBox="1"/>
+          <p:nvPr/>
+        </p:nvSpPr>
+        <p:spPr>
+          <a:xfrm>
+            <a:off x="822959" y="4157074"/>
+            <a:ext cx="2154757" cy="369332"/>
+          </a:xfrm>
+          <a:prstGeom prst="rect">
+            <a:avLst/>
+          </a:prstGeom>
+          <a:noFill/>
+        </p:spPr>
+        <p:txBody>
+          <a:bodyPr wrap="none" rtlCol="0">
+            <a:spAutoFit/>
+          </a:bodyPr>
+          <a:lstStyle/>
+          <a:p>
+            <a:r>
+              <a:rPr lang="zh-CN" altLang="en-US" dirty="0" smtClean="0"/>
+              <a:t>计数率：</a:t>
+            </a:r>
+            <a:r>
+              <a:rPr lang="en-US" altLang="zh-CN" dirty="0" smtClean="0"/>
+              <a:t>324.15cpm</a:t>
+            </a:r>
+            <a:endParaRPr lang="zh-CN" altLang="en-US" dirty="0"/>
+          </a:p>
+        </p:txBody>
+      </p:sp>
+      <p:sp>
+        <p:nvSpPr>
+          <p:cNvPr id="33" name="文本框 32"/>
+          <p:cNvSpPr txBox="1"/>
+          <p:nvPr/>
+        </p:nvSpPr>
+        <p:spPr>
+          <a:xfrm>
+            <a:off x="5329740" y="3907271"/>
+            <a:ext cx="2154757" cy="369332"/>
+          </a:xfrm>
+          <a:prstGeom prst="rect">
+            <a:avLst/>
+          </a:prstGeom>
+          <a:noFill/>
+        </p:spPr>
+        <p:txBody>
+          <a:bodyPr wrap="none" rtlCol="0">
+            <a:spAutoFit/>
+          </a:bodyPr>
+          <a:lstStyle/>
+          <a:p>
+            <a:r>
+              <a:rPr lang="zh-CN" altLang="en-US" dirty="0" smtClean="0"/>
+              <a:t>计数率：</a:t>
+            </a:r>
+            <a:r>
+              <a:rPr lang="en-US" altLang="zh-CN" dirty="0" smtClean="0"/>
+              <a:t>624.13cpm</a:t>
+            </a:r>
+            <a:endParaRPr lang="zh-CN" altLang="en-US" dirty="0"/>
           </a:p>
         </p:txBody>
       </p:sp>

--- a/Slides/SDHCAL_Report_20170621.pptx
+++ b/Slides/SDHCAL_Report_20170621.pptx
@@ -17,6 +17,7 @@
     <p:sldId id="270" r:id="rId11"/>
     <p:sldId id="271" r:id="rId12"/>
     <p:sldId id="269" r:id="rId13"/>
+    <p:sldId id="272" r:id="rId14"/>
   </p:sldIdLst>
   <p:sldSz cx="9144000" cy="6858000" type="screen4x3"/>
   <p:notesSz cx="6858000" cy="9144000"/>
@@ -323,7 +324,7 @@
             <a:fld id="{4BDF68E2-58F2-4D09-BE8B-E3BD06533059}" type="datetimeFigureOut">
               <a:rPr lang="en-US" smtClean="0"/>
               <a:pPr/>
-              <a:t>6/20/2017</a:t>
+              <a:t>6/21/2017</a:t>
             </a:fld>
             <a:endParaRPr lang="en-US" dirty="0"/>
           </a:p>
@@ -548,7 +549,7 @@
           <a:p>
             <a:fld id="{2E2D6473-DF6D-4702-B328-E0DD40540A4E}" type="datetimeFigureOut">
               <a:rPr lang="en-US" smtClean="0"/>
-              <a:t>6/20/2017</a:t>
+              <a:t>6/21/2017</a:t>
             </a:fld>
             <a:endParaRPr lang="en-US" dirty="0"/>
           </a:p>
@@ -804,7 +805,7 @@
           <a:p>
             <a:fld id="{E26F7E3A-B166-407D-9866-32884E7D5B37}" type="datetimeFigureOut">
               <a:rPr lang="en-US" smtClean="0"/>
-              <a:t>6/20/2017</a:t>
+              <a:t>6/21/2017</a:t>
             </a:fld>
             <a:endParaRPr lang="en-US" dirty="0"/>
           </a:p>
@@ -1012,7 +1013,7 @@
           <a:p>
             <a:fld id="{528FC5F6-F338-4AE4-BB23-26385BCFC423}" type="datetimeFigureOut">
               <a:rPr lang="en-US" smtClean="0"/>
-              <a:t>6/20/2017</a:t>
+              <a:t>6/21/2017</a:t>
             </a:fld>
             <a:endParaRPr lang="en-US" dirty="0"/>
           </a:p>
@@ -1355,7 +1356,7 @@
           <a:p>
             <a:fld id="{20EBB0C4-6273-4C6E-B9BD-2EDC30F1CD52}" type="datetimeFigureOut">
               <a:rPr lang="en-US" smtClean="0"/>
-              <a:t>6/20/2017</a:t>
+              <a:t>6/21/2017</a:t>
             </a:fld>
             <a:endParaRPr lang="en-US" dirty="0"/>
           </a:p>
@@ -1630,7 +1631,7 @@
           <a:p>
             <a:fld id="{19AB4D41-86C1-4908-B66A-0B50CEB3BF29}" type="datetimeFigureOut">
               <a:rPr lang="en-US" smtClean="0"/>
-              <a:t>6/20/2017</a:t>
+              <a:t>6/21/2017</a:t>
             </a:fld>
             <a:endParaRPr lang="en-US" dirty="0"/>
           </a:p>
@@ -2009,7 +2010,7 @@
           <a:p>
             <a:fld id="{E6426E2C-56C1-4E0D-A793-0088A7FDD37E}" type="datetimeFigureOut">
               <a:rPr lang="en-US" smtClean="0"/>
-              <a:t>6/20/2017</a:t>
+              <a:t>6/21/2017</a:t>
             </a:fld>
             <a:endParaRPr lang="en-US" dirty="0"/>
           </a:p>
@@ -2127,7 +2128,7 @@
           <a:p>
             <a:fld id="{C8C39B41-D8B5-4052-B551-9B5525EAA8B6}" type="datetimeFigureOut">
               <a:rPr lang="en-US" smtClean="0"/>
-              <a:t>6/20/2017</a:t>
+              <a:t>6/21/2017</a:t>
             </a:fld>
             <a:endParaRPr lang="en-US" dirty="0"/>
           </a:p>
@@ -2298,7 +2299,7 @@
           <a:p>
             <a:fld id="{4D94136C-8742-45B2-AF27-D93DF72833A9}" type="datetimeFigureOut">
               <a:rPr lang="en-US" smtClean="0"/>
-              <a:t>6/20/2017</a:t>
+              <a:t>6/21/2017</a:t>
             </a:fld>
             <a:endParaRPr lang="en-US" dirty="0"/>
           </a:p>
@@ -2653,7 +2654,7 @@
           <a:p>
             <a:fld id="{32ABBEA6-7C60-4B02-AE87-00D78D8422AF}" type="datetimeFigureOut">
               <a:rPr lang="en-US" smtClean="0"/>
-              <a:t>6/20/2017</a:t>
+              <a:t>6/21/2017</a:t>
             </a:fld>
             <a:endParaRPr lang="en-US" dirty="0"/>
           </a:p>
@@ -3036,7 +3037,7 @@
           <a:p>
             <a:fld id="{C9CAD897-D46E-4AD2-BD9B-49DD3E640873}" type="datetimeFigureOut">
               <a:rPr lang="en-US" smtClean="0"/>
-              <a:t>6/20/2017</a:t>
+              <a:t>6/21/2017</a:t>
             </a:fld>
             <a:endParaRPr lang="en-US" dirty="0"/>
           </a:p>
@@ -3286,7 +3287,7 @@
             <a:fld id="{98624D31-43A5-475A-80CF-332C9F6DCF35}" type="datetimeFigureOut">
               <a:rPr lang="en-US" smtClean="0"/>
               <a:pPr/>
-              <a:t>6/20/2017</a:t>
+              <a:t>6/21/2017</a:t>
             </a:fld>
             <a:endParaRPr lang="en-US" dirty="0"/>
           </a:p>
@@ -4403,14 +4404,14 @@
       </p:pic>
       <p:sp>
         <p:nvSpPr>
-          <p:cNvPr id="4" name="文本框 3"/>
+          <p:cNvPr id="19" name="文本框 18"/>
           <p:cNvSpPr txBox="1"/>
           <p:nvPr/>
         </p:nvSpPr>
         <p:spPr>
           <a:xfrm>
-            <a:off x="605852" y="912967"/>
-            <a:ext cx="2097049" cy="369332"/>
+            <a:off x="822959" y="4157074"/>
+            <a:ext cx="1693092" cy="369332"/>
           </a:xfrm>
           <a:prstGeom prst="rect">
             <a:avLst/>
@@ -4425,11 +4426,11 @@
           <a:p>
             <a:r>
               <a:rPr lang="zh-CN" altLang="en-US" dirty="0" smtClean="0"/>
-              <a:t>计数率：</a:t>
+              <a:t>总计数：</a:t>
             </a:r>
             <a:r>
               <a:rPr lang="en-US" altLang="zh-CN" dirty="0" smtClean="0"/>
-              <a:t>12542cpm</a:t>
+              <a:t>35656</a:t>
             </a:r>
             <a:endParaRPr lang="zh-CN" altLang="en-US" dirty="0"/>
           </a:p>
@@ -4437,14 +4438,14 @@
       </p:sp>
       <p:sp>
         <p:nvSpPr>
-          <p:cNvPr id="19" name="文本框 18"/>
+          <p:cNvPr id="20" name="文本框 19"/>
           <p:cNvSpPr txBox="1"/>
           <p:nvPr/>
         </p:nvSpPr>
         <p:spPr>
           <a:xfrm>
-            <a:off x="822959" y="4157074"/>
-            <a:ext cx="2154757" cy="369332"/>
+            <a:off x="5329740" y="3907271"/>
+            <a:ext cx="1693092" cy="369332"/>
           </a:xfrm>
           <a:prstGeom prst="rect">
             <a:avLst/>
@@ -4459,11 +4460,11 @@
           <a:p>
             <a:r>
               <a:rPr lang="zh-CN" altLang="en-US" dirty="0" smtClean="0"/>
-              <a:t>计数率：</a:t>
+              <a:t>总计数：</a:t>
             </a:r>
             <a:r>
               <a:rPr lang="en-US" altLang="zh-CN" dirty="0" smtClean="0"/>
-              <a:t>324.15cpm</a:t>
+              <a:t>37448</a:t>
             </a:r>
             <a:endParaRPr lang="zh-CN" altLang="en-US" dirty="0"/>
           </a:p>
@@ -4471,14 +4472,14 @@
       </p:sp>
       <p:sp>
         <p:nvSpPr>
-          <p:cNvPr id="20" name="文本框 19"/>
+          <p:cNvPr id="21" name="文本框 20"/>
           <p:cNvSpPr txBox="1"/>
           <p:nvPr/>
         </p:nvSpPr>
         <p:spPr>
           <a:xfrm>
-            <a:off x="5329740" y="3907271"/>
-            <a:ext cx="2154757" cy="369332"/>
+            <a:off x="721762" y="855325"/>
+            <a:ext cx="1810111" cy="369332"/>
           </a:xfrm>
           <a:prstGeom prst="rect">
             <a:avLst/>
@@ -4493,11 +4494,11 @@
           <a:p>
             <a:r>
               <a:rPr lang="zh-CN" altLang="en-US" dirty="0" smtClean="0"/>
-              <a:t>计数率：</a:t>
+              <a:t>总计数：</a:t>
             </a:r>
             <a:r>
               <a:rPr lang="en-US" altLang="zh-CN" dirty="0" smtClean="0"/>
-              <a:t>624.13cpm</a:t>
+              <a:t>627104</a:t>
             </a:r>
             <a:endParaRPr lang="zh-CN" altLang="en-US" dirty="0"/>
           </a:p>
@@ -4577,7 +4578,7 @@
             </a:r>
             <a:r>
               <a:rPr lang="en-US" altLang="zh-CN" dirty="0" smtClean="0"/>
-              <a:t>2mm</a:t>
+              <a:t>2.5mm</a:t>
             </a:r>
             <a:r>
               <a:rPr lang="zh-CN" altLang="en-US" dirty="0" smtClean="0"/>
@@ -4884,6 +4885,246 @@
 </p:sld>
 </file>
 
+<file path=ppt/slides/slide13.xml><?xml version="1.0" encoding="utf-8"?>
+<p:sld xmlns:a="http://schemas.openxmlformats.org/drawingml/2006/main" xmlns:r="http://schemas.openxmlformats.org/officeDocument/2006/relationships" xmlns:p="http://schemas.openxmlformats.org/presentationml/2006/main">
+  <p:cSld>
+    <p:spTree>
+      <p:nvGrpSpPr>
+        <p:cNvPr id="1" name=""/>
+        <p:cNvGrpSpPr/>
+        <p:nvPr/>
+      </p:nvGrpSpPr>
+      <p:grpSpPr>
+        <a:xfrm>
+          <a:off x="0" y="0"/>
+          <a:ext cx="0" cy="0"/>
+          <a:chOff x="0" y="0"/>
+          <a:chExt cx="0" cy="0"/>
+        </a:xfrm>
+      </p:grpSpPr>
+      <p:sp>
+        <p:nvSpPr>
+          <p:cNvPr id="2" name="标题 1"/>
+          <p:cNvSpPr>
+            <a:spLocks noGrp="1"/>
+          </p:cNvSpPr>
+          <p:nvPr>
+            <p:ph type="title"/>
+          </p:nvPr>
+        </p:nvSpPr>
+        <p:spPr/>
+        <p:txBody>
+          <a:bodyPr/>
+          <a:lstStyle/>
+          <a:p>
+            <a:r>
+              <a:rPr lang="zh-CN" altLang="en-US" dirty="0" smtClean="0"/>
+              <a:t>改版</a:t>
+            </a:r>
+            <a:r>
+              <a:rPr lang="en-US" altLang="zh-CN" dirty="0" smtClean="0"/>
+              <a:t>&amp;</a:t>
+            </a:r>
+            <a:r>
+              <a:rPr lang="zh-CN" altLang="en-US" dirty="0" smtClean="0"/>
+              <a:t>芯片采购</a:t>
+            </a:r>
+            <a:endParaRPr lang="zh-CN" altLang="en-US" dirty="0"/>
+          </a:p>
+        </p:txBody>
+      </p:sp>
+      <p:sp>
+        <p:nvSpPr>
+          <p:cNvPr id="3" name="内容占位符 2"/>
+          <p:cNvSpPr>
+            <a:spLocks noGrp="1"/>
+          </p:cNvSpPr>
+          <p:nvPr>
+            <p:ph idx="1"/>
+          </p:nvPr>
+        </p:nvSpPr>
+        <p:spPr>
+          <a:xfrm>
+            <a:off x="822959" y="1175395"/>
+            <a:ext cx="7543801" cy="5560256"/>
+          </a:xfrm>
+        </p:spPr>
+        <p:txBody>
+          <a:bodyPr>
+            <a:normAutofit/>
+          </a:bodyPr>
+          <a:lstStyle/>
+          <a:p>
+            <a:r>
+              <a:rPr lang="zh-CN" altLang="en-US" dirty="0" smtClean="0"/>
+              <a:t>下一步先对</a:t>
+            </a:r>
+            <a:r>
+              <a:rPr lang="en-US" altLang="zh-CN" dirty="0" smtClean="0"/>
+              <a:t>30cm x 30cm</a:t>
+            </a:r>
+            <a:r>
+              <a:rPr lang="zh-CN" altLang="en-US" dirty="0" smtClean="0"/>
+              <a:t>探测器设计新的阳极板</a:t>
+            </a:r>
+            <a:endParaRPr lang="en-US" altLang="zh-CN" dirty="0" smtClean="0"/>
+          </a:p>
+          <a:p>
+            <a:r>
+              <a:rPr lang="zh-CN" altLang="en-US" dirty="0" smtClean="0"/>
+              <a:t>待</a:t>
+            </a:r>
+            <a:r>
+              <a:rPr lang="en-US" altLang="zh-CN" dirty="0" smtClean="0"/>
+              <a:t>30cm x 30cm</a:t>
+            </a:r>
+            <a:r>
+              <a:rPr lang="zh-CN" altLang="en-US" dirty="0" smtClean="0"/>
+              <a:t>探测器调试完之后再设计</a:t>
+            </a:r>
+            <a:r>
+              <a:rPr lang="en-US" altLang="zh-CN" dirty="0" smtClean="0"/>
+              <a:t>40cm x 40cm</a:t>
+            </a:r>
+            <a:r>
+              <a:rPr lang="zh-CN" altLang="en-US" dirty="0" smtClean="0"/>
+              <a:t>探测器的阳极板</a:t>
+            </a:r>
+            <a:endParaRPr lang="en-US" altLang="zh-CN" dirty="0" smtClean="0"/>
+          </a:p>
+          <a:p>
+            <a:pPr lvl="1"/>
+            <a:r>
+              <a:rPr lang="zh-CN" altLang="en-US" dirty="0" smtClean="0"/>
+              <a:t>提前在</a:t>
+            </a:r>
+            <a:r>
+              <a:rPr lang="en-US" altLang="zh-CN" dirty="0" smtClean="0"/>
+              <a:t>DIF</a:t>
+            </a:r>
+            <a:r>
+              <a:rPr lang="zh-CN" altLang="en-US" dirty="0" smtClean="0"/>
+              <a:t>板上将接口留好</a:t>
+            </a:r>
+            <a:endParaRPr lang="en-US" altLang="zh-CN" dirty="0" smtClean="0"/>
+          </a:p>
+          <a:p>
+            <a:r>
+              <a:rPr lang="zh-CN" altLang="en-US" dirty="0" smtClean="0"/>
+              <a:t>芯片数量</a:t>
+            </a:r>
+            <a:endParaRPr lang="en-US" altLang="zh-CN" dirty="0" smtClean="0"/>
+          </a:p>
+          <a:p>
+            <a:pPr lvl="1"/>
+            <a:r>
+              <a:rPr lang="en-US" altLang="zh-CN" dirty="0" smtClean="0"/>
+              <a:t>30cm x 30cm</a:t>
+            </a:r>
+            <a:r>
+              <a:rPr lang="zh-CN" altLang="en-US" dirty="0" smtClean="0"/>
+              <a:t>：</a:t>
+            </a:r>
+            <a:r>
+              <a:rPr lang="en-US" altLang="zh-CN" dirty="0" smtClean="0"/>
+              <a:t>16</a:t>
+            </a:r>
+            <a:r>
+              <a:rPr lang="zh-CN" altLang="en-US" dirty="0" smtClean="0"/>
+              <a:t>片，做一块</a:t>
+            </a:r>
+            <a:endParaRPr lang="en-US" altLang="zh-CN" dirty="0" smtClean="0"/>
+          </a:p>
+          <a:p>
+            <a:pPr lvl="1"/>
+            <a:r>
+              <a:rPr lang="en-US" altLang="zh-CN" dirty="0" smtClean="0"/>
+              <a:t>40cm x 40cm</a:t>
+            </a:r>
+            <a:r>
+              <a:rPr lang="zh-CN" altLang="en-US" dirty="0" smtClean="0"/>
+              <a:t>：</a:t>
+            </a:r>
+            <a:r>
+              <a:rPr lang="en-US" altLang="zh-CN" dirty="0" smtClean="0"/>
+              <a:t>25</a:t>
+            </a:r>
+            <a:r>
+              <a:rPr lang="zh-CN" altLang="en-US" dirty="0" smtClean="0"/>
+              <a:t>片，做两块</a:t>
+            </a:r>
+            <a:endParaRPr lang="en-US" altLang="zh-CN" dirty="0" smtClean="0"/>
+          </a:p>
+          <a:p>
+            <a:pPr lvl="1"/>
+            <a:r>
+              <a:rPr lang="zh-CN" altLang="en-US" dirty="0" smtClean="0"/>
+              <a:t>共计：</a:t>
+            </a:r>
+            <a:r>
+              <a:rPr lang="en-US" altLang="zh-CN" dirty="0" smtClean="0"/>
+              <a:t>16 + 25</a:t>
+            </a:r>
+            <a:r>
+              <a:rPr lang="zh-CN" altLang="en-US" dirty="0" smtClean="0"/>
+              <a:t>*</a:t>
+            </a:r>
+            <a:r>
+              <a:rPr lang="en-US" altLang="zh-CN" dirty="0" smtClean="0"/>
+              <a:t>2 = 66</a:t>
+            </a:r>
+            <a:r>
+              <a:rPr lang="zh-CN" altLang="en-US" dirty="0" smtClean="0"/>
+              <a:t>片，采购</a:t>
+            </a:r>
+            <a:r>
+              <a:rPr lang="en-US" altLang="zh-CN" dirty="0" smtClean="0"/>
+              <a:t>70</a:t>
+            </a:r>
+            <a:r>
+              <a:rPr lang="zh-CN" altLang="en-US" dirty="0" smtClean="0"/>
+              <a:t>片</a:t>
+            </a:r>
+            <a:endParaRPr lang="en-US" altLang="zh-CN" dirty="0" smtClean="0"/>
+          </a:p>
+          <a:p>
+            <a:r>
+              <a:rPr lang="zh-CN" altLang="en-US" dirty="0" smtClean="0"/>
+              <a:t>封装问题</a:t>
+            </a:r>
+            <a:endParaRPr lang="en-US" altLang="zh-CN" dirty="0" smtClean="0"/>
+          </a:p>
+          <a:p>
+            <a:pPr lvl="1"/>
+            <a:r>
+              <a:rPr lang="zh-CN" altLang="en-US" dirty="0" smtClean="0"/>
+              <a:t>考虑滤波电容摆放，使用</a:t>
+            </a:r>
+            <a:r>
+              <a:rPr lang="en-US" altLang="zh-CN" dirty="0" smtClean="0"/>
+              <a:t>TQFP</a:t>
+            </a:r>
+            <a:r>
+              <a:rPr lang="zh-CN" altLang="en-US" dirty="0" smtClean="0"/>
+              <a:t>封装</a:t>
+            </a:r>
+            <a:endParaRPr lang="zh-CN" altLang="en-US" dirty="0"/>
+          </a:p>
+        </p:txBody>
+      </p:sp>
+    </p:spTree>
+    <p:extLst>
+      <p:ext uri="{BB962C8B-B14F-4D97-AF65-F5344CB8AC3E}">
+        <p14:creationId xmlns:p14="http://schemas.microsoft.com/office/powerpoint/2010/main" val="3651297158"/>
+      </p:ext>
+    </p:extLst>
+  </p:cSld>
+  <p:clrMapOvr>
+    <a:masterClrMapping/>
+  </p:clrMapOvr>
+</p:sld>
+</file>
+
 <file path=ppt/slides/slide2.xml><?xml version="1.0" encoding="utf-8"?>
 <p:sld xmlns:a="http://schemas.openxmlformats.org/drawingml/2006/main" xmlns:r="http://schemas.openxmlformats.org/officeDocument/2006/relationships" xmlns:p="http://schemas.openxmlformats.org/presentationml/2006/main">
   <p:cSld>
@@ -5012,13 +5253,7 @@
               <a:rPr lang="zh-CN" altLang="en-US" dirty="0" smtClean="0">
                 <a:latin typeface="Calibri" pitchFamily="34" charset="0"/>
               </a:rPr>
-              <a:t>击中</a:t>
-            </a:r>
-            <a:r>
-              <a:rPr lang="zh-CN" altLang="en-US" dirty="0" smtClean="0">
-                <a:latin typeface="Calibri" pitchFamily="34" charset="0"/>
-              </a:rPr>
-              <a:t>方向有偏向</a:t>
+              <a:t>击中方向有偏向</a:t>
             </a:r>
             <a:endParaRPr lang="en-US" altLang="zh-CN" dirty="0" smtClean="0">
               <a:latin typeface="Calibri" pitchFamily="34" charset="0"/>
@@ -5489,21 +5724,7 @@
                           <a:latin typeface="Calibri" pitchFamily="34" charset="0"/>
                           <a:ea typeface="宋体" charset="-122"/>
                         </a:rPr>
-                        <a:t>过第一个</a:t>
-                      </a:r>
-                      <a:r>
-                        <a:rPr kumimoji="0" lang="zh-CN" altLang="en-US" sz="1100" b="0" i="0" u="none" strike="noStrike" cap="none" normalizeH="0" baseline="0" dirty="0" smtClean="0">
-                          <a:ln>
-                            <a:noFill/>
-                          </a:ln>
-                          <a:solidFill>
-                            <a:srgbClr val="000000"/>
-                          </a:solidFill>
-                          <a:effectLst/>
-                          <a:latin typeface="Calibri" pitchFamily="34" charset="0"/>
-                          <a:ea typeface="宋体" charset="-122"/>
-                        </a:rPr>
-                        <a:t>阈</a:t>
+                        <a:t>过第一个阈</a:t>
                       </a:r>
                       <a:endParaRPr kumimoji="0" lang="en-US" altLang="zh-CN" sz="1100" b="0" i="0" u="none" strike="noStrike" cap="none" normalizeH="0" baseline="0" dirty="0" smtClean="0">
                         <a:ln>
@@ -5644,21 +5865,7 @@
                           <a:latin typeface="Calibri" pitchFamily="34" charset="0"/>
                           <a:ea typeface="宋体" charset="-122"/>
                         </a:rPr>
-                        <a:t>过第二个</a:t>
-                      </a:r>
-                      <a:r>
-                        <a:rPr kumimoji="0" lang="zh-CN" altLang="en-US" sz="1100" b="0" i="0" u="none" strike="noStrike" cap="none" normalizeH="0" baseline="0" dirty="0" smtClean="0">
-                          <a:ln>
-                            <a:noFill/>
-                          </a:ln>
-                          <a:solidFill>
-                            <a:srgbClr val="000000"/>
-                          </a:solidFill>
-                          <a:effectLst/>
-                          <a:latin typeface="Calibri" pitchFamily="34" charset="0"/>
-                          <a:ea typeface="宋体" charset="-122"/>
-                        </a:rPr>
-                        <a:t>阈</a:t>
+                        <a:t>过第二个阈</a:t>
                       </a:r>
                       <a:endParaRPr kumimoji="0" lang="en-US" altLang="zh-CN" sz="1100" b="0" i="0" u="none" strike="noStrike" cap="none" normalizeH="0" baseline="0" dirty="0" smtClean="0">
                         <a:ln>
@@ -5799,21 +6006,7 @@
                           <a:latin typeface="Calibri" pitchFamily="34" charset="0"/>
                           <a:ea typeface="宋体" charset="-122"/>
                         </a:rPr>
-                        <a:t>过第三个</a:t>
-                      </a:r>
-                      <a:r>
-                        <a:rPr kumimoji="0" lang="zh-CN" altLang="en-US" sz="1100" b="0" i="0" u="none" strike="noStrike" cap="none" normalizeH="0" baseline="0" dirty="0" smtClean="0">
-                          <a:ln>
-                            <a:noFill/>
-                          </a:ln>
-                          <a:solidFill>
-                            <a:srgbClr val="000000"/>
-                          </a:solidFill>
-                          <a:effectLst/>
-                          <a:latin typeface="Calibri" pitchFamily="34" charset="0"/>
-                          <a:ea typeface="宋体" charset="-122"/>
-                        </a:rPr>
-                        <a:t>阈</a:t>
+                        <a:t>过第三个阈</a:t>
                       </a:r>
                       <a:endParaRPr kumimoji="0" lang="en-US" altLang="zh-CN" sz="1100" b="0" i="0" u="none" strike="noStrike" cap="none" normalizeH="0" baseline="0" dirty="0" smtClean="0">
                         <a:ln>
@@ -8152,8 +8345,8 @@
           <a:lstStyle/>
           <a:p>
             <a:r>
-              <a:rPr lang="en-US" altLang="zh-CN" dirty="0" smtClean="0"/>
-              <a:t>Hold</a:t>
+              <a:rPr lang="zh-CN" altLang="en-US" dirty="0"/>
+              <a:t>峰保</a:t>
             </a:r>
             <a:r>
               <a:rPr lang="zh-CN" altLang="en-US" dirty="0" smtClean="0"/>
@@ -8378,7 +8571,23 @@
             </a:r>
             <a:r>
               <a:rPr lang="zh-CN" altLang="en-US" dirty="0" smtClean="0"/>
-              <a:t>得到的保持的波形</a:t>
+              <a:t>得到</a:t>
+            </a:r>
+            <a:r>
+              <a:rPr lang="zh-CN" altLang="en-US" dirty="0" smtClean="0"/>
+              <a:t>的</a:t>
+            </a:r>
+            <a:r>
+              <a:rPr lang="zh-CN" altLang="en-US" dirty="0"/>
+              <a:t>峰</a:t>
+            </a:r>
+            <a:r>
+              <a:rPr lang="zh-CN" altLang="en-US" dirty="0" smtClean="0"/>
+              <a:t>保</a:t>
+            </a:r>
+            <a:r>
+              <a:rPr lang="zh-CN" altLang="en-US" dirty="0" smtClean="0"/>
+              <a:t>波形</a:t>
             </a:r>
             <a:endParaRPr lang="zh-CN" altLang="en-US" dirty="0"/>
           </a:p>
@@ -8406,11 +8615,7 @@
           <a:p>
             <a:r>
               <a:rPr lang="zh-CN" altLang="en-US" dirty="0" smtClean="0"/>
-              <a:t>延迟和保持时间可以</a:t>
-            </a:r>
-            <a:r>
-              <a:rPr lang="zh-CN" altLang="en-US" dirty="0" smtClean="0"/>
-              <a:t>设定</a:t>
+              <a:t>延迟和保持时间可以设定</a:t>
             </a:r>
             <a:endParaRPr lang="zh-CN" altLang="en-US" dirty="0"/>
           </a:p>
@@ -8815,15 +9020,7 @@
                     <a:srgbClr val="00E8E8"/>
                   </a:solidFill>
                 </a:rPr>
-                <a:t>没有峰保</a:t>
-              </a:r>
-              <a:r>
-                <a:rPr lang="zh-CN" altLang="en-US" dirty="0" smtClean="0">
-                  <a:solidFill>
-                    <a:srgbClr val="00E8E8"/>
-                  </a:solidFill>
-                </a:rPr>
-                <a:t>输出</a:t>
+                <a:t>没有峰保输出</a:t>
               </a:r>
               <a:endParaRPr lang="zh-CN" altLang="en-US" dirty="0">
                 <a:solidFill>
@@ -8985,8 +9182,8 @@
           </a:p>
         </p:txBody>
       </p:sp>
-      <mc:AlternateContent xmlns:mc="http://schemas.openxmlformats.org/markup-compatibility/2006">
-        <mc:Choice xmlns:a14="http://schemas.microsoft.com/office/drawing/2010/main" Requires="a14">
+      <mc:AlternateContent xmlns:mc="http://schemas.openxmlformats.org/markup-compatibility/2006" xmlns:a14="http://schemas.microsoft.com/office/drawing/2010/main">
+        <mc:Choice Requires="a14">
           <p:sp>
             <p:nvSpPr>
               <p:cNvPr id="3" name="内容占位符 2"/>
@@ -9142,7 +9339,7 @@
             </p:txBody>
           </p:sp>
         </mc:Choice>
-        <mc:Fallback>
+        <mc:Fallback xmlns="">
           <p:sp>
             <p:nvSpPr>
               <p:cNvPr id="3" name="内容占位符 2"/>
@@ -9482,8 +9679,8 @@
           </a:p>
         </p:txBody>
       </p:sp>
-      <mc:AlternateContent xmlns:mc="http://schemas.openxmlformats.org/markup-compatibility/2006">
-        <mc:Choice xmlns:a14="http://schemas.microsoft.com/office/drawing/2010/main" Requires="a14">
+      <mc:AlternateContent xmlns:mc="http://schemas.openxmlformats.org/markup-compatibility/2006" xmlns:a14="http://schemas.microsoft.com/office/drawing/2010/main">
+        <mc:Choice Requires="a14">
           <p:sp>
             <p:nvSpPr>
               <p:cNvPr id="3" name="内容占位符 2"/>
@@ -9649,7 +9846,7 @@
             </p:txBody>
           </p:sp>
         </mc:Choice>
-        <mc:Fallback>
+        <mc:Fallback xmlns="">
           <p:sp>
             <p:nvSpPr>
               <p:cNvPr id="3" name="内容占位符 2"/>
@@ -9685,7 +9882,7 @@
       </mc:AlternateContent>
       <p:pic>
         <p:nvPicPr>
-          <p:cNvPr id="4" name="图片 3"/>
+          <p:cNvPr id="5" name="图片 4"/>
           <p:cNvPicPr>
             <a:picLocks noChangeAspect="1"/>
           </p:cNvPicPr>
@@ -9699,19 +9896,55 @@
               </a:ext>
             </a:extLst>
           </a:blip>
-          <a:srcRect l="4869" t="2616" r="6278"/>
+          <a:srcRect r="7727"/>
           <a:stretch/>
         </p:blipFill>
         <p:spPr>
           <a:xfrm>
-            <a:off x="4404575" y="2781836"/>
-            <a:ext cx="4739425" cy="3895859"/>
+            <a:off x="4360534" y="2970000"/>
+            <a:ext cx="4783466" cy="3888000"/>
           </a:xfrm>
           <a:prstGeom prst="rect">
             <a:avLst/>
           </a:prstGeom>
         </p:spPr>
       </p:pic>
+      <p:cxnSp>
+        <p:nvCxnSpPr>
+          <p:cNvPr id="7" name="直接箭头连接符 6"/>
+          <p:cNvCxnSpPr/>
+          <p:nvPr/>
+        </p:nvCxnSpPr>
+        <p:spPr>
+          <a:xfrm flipH="1" flipV="1">
+            <a:off x="4360534" y="2970000"/>
+            <a:ext cx="3070576" cy="455780"/>
+          </a:xfrm>
+          <a:prstGeom prst="straightConnector1">
+            <a:avLst/>
+          </a:prstGeom>
+          <a:ln>
+            <a:solidFill>
+              <a:srgbClr val="FF0000"/>
+            </a:solidFill>
+            <a:tailEnd type="triangle"/>
+          </a:ln>
+        </p:spPr>
+        <p:style>
+          <a:lnRef idx="1">
+            <a:schemeClr val="accent1"/>
+          </a:lnRef>
+          <a:fillRef idx="0">
+            <a:schemeClr val="accent1"/>
+          </a:fillRef>
+          <a:effectRef idx="0">
+            <a:schemeClr val="accent1"/>
+          </a:effectRef>
+          <a:fontRef idx="minor">
+            <a:schemeClr val="tx1"/>
+          </a:fontRef>
+        </p:style>
+      </p:cxnSp>
     </p:spTree>
     <p:extLst>
       <p:ext uri="{BB962C8B-B14F-4D97-AF65-F5344CB8AC3E}">
@@ -9797,11 +10030,7 @@
             <a:pPr lvl="1"/>
             <a:r>
               <a:rPr lang="en-US" altLang="zh-CN" dirty="0" smtClean="0"/>
-              <a:t>2</a:t>
-            </a:r>
-            <a:r>
-              <a:rPr lang="en-US" altLang="zh-CN" dirty="0" smtClean="0"/>
-              <a:t>mm</a:t>
+              <a:t>2.5mm</a:t>
             </a:r>
             <a:r>
               <a:rPr lang="zh-CN" altLang="en-US" dirty="0" smtClean="0"/>
@@ -9961,7 +10190,7 @@
           <p:spPr>
             <a:xfrm>
               <a:off x="2241469" y="3337578"/>
-              <a:ext cx="2097049" cy="369332"/>
+              <a:ext cx="1810111" cy="369332"/>
             </a:xfrm>
             <a:prstGeom prst="rect">
               <a:avLst/>
@@ -9976,11 +10205,11 @@
             <a:p>
               <a:r>
                 <a:rPr lang="zh-CN" altLang="en-US" dirty="0" smtClean="0"/>
-                <a:t>计数率：</a:t>
+                <a:t>总计数：</a:t>
               </a:r>
               <a:r>
                 <a:rPr lang="en-US" altLang="zh-CN" dirty="0" smtClean="0"/>
-                <a:t>12542cpm</a:t>
+                <a:t>627104</a:t>
               </a:r>
               <a:endParaRPr lang="zh-CN" altLang="en-US" dirty="0"/>
             </a:p>
@@ -10546,14 +10775,14 @@
       </p:pic>
       <p:sp>
         <p:nvSpPr>
-          <p:cNvPr id="32" name="文本框 31"/>
+          <p:cNvPr id="19" name="文本框 18"/>
           <p:cNvSpPr txBox="1"/>
           <p:nvPr/>
         </p:nvSpPr>
         <p:spPr>
           <a:xfrm>
             <a:off x="822959" y="4157074"/>
-            <a:ext cx="2154757" cy="369332"/>
+            <a:ext cx="1693092" cy="369332"/>
           </a:xfrm>
           <a:prstGeom prst="rect">
             <a:avLst/>
@@ -10568,11 +10797,11 @@
           <a:p>
             <a:r>
               <a:rPr lang="zh-CN" altLang="en-US" dirty="0" smtClean="0"/>
-              <a:t>计数率：</a:t>
+              <a:t>总计数：</a:t>
             </a:r>
             <a:r>
               <a:rPr lang="en-US" altLang="zh-CN" dirty="0" smtClean="0"/>
-              <a:t>324.15cpm</a:t>
+              <a:t>35656</a:t>
             </a:r>
             <a:endParaRPr lang="zh-CN" altLang="en-US" dirty="0"/>
           </a:p>
@@ -10580,14 +10809,14 @@
       </p:sp>
       <p:sp>
         <p:nvSpPr>
-          <p:cNvPr id="33" name="文本框 32"/>
+          <p:cNvPr id="20" name="文本框 19"/>
           <p:cNvSpPr txBox="1"/>
           <p:nvPr/>
         </p:nvSpPr>
         <p:spPr>
           <a:xfrm>
             <a:off x="5329740" y="3907271"/>
-            <a:ext cx="2154757" cy="369332"/>
+            <a:ext cx="1693092" cy="369332"/>
           </a:xfrm>
           <a:prstGeom prst="rect">
             <a:avLst/>
@@ -10602,11 +10831,11 @@
           <a:p>
             <a:r>
               <a:rPr lang="zh-CN" altLang="en-US" dirty="0" smtClean="0"/>
-              <a:t>计数率：</a:t>
+              <a:t>总计数：</a:t>
             </a:r>
             <a:r>
               <a:rPr lang="en-US" altLang="zh-CN" dirty="0" smtClean="0"/>
-              <a:t>624.13cpm</a:t>
+              <a:t>37448</a:t>
             </a:r>
             <a:endParaRPr lang="zh-CN" altLang="en-US" dirty="0"/>
           </a:p>
